--- a/presentation/project3_presentation_individual.pptx
+++ b/presentation/project3_presentation_individual.pptx
@@ -5,7 +5,7 @@
     <p:sldMasterId id="2147483659" r:id="rId1"/>
   </p:sldMasterIdLst>
   <p:notesMasterIdLst>
-    <p:notesMasterId r:id="rId16"/>
+    <p:notesMasterId r:id="rId19"/>
   </p:notesMasterIdLst>
   <p:sldIdLst>
     <p:sldId id="256" r:id="rId2"/>
@@ -13,15 +13,18 @@
     <p:sldId id="282" r:id="rId4"/>
     <p:sldId id="292" r:id="rId5"/>
     <p:sldId id="291" r:id="rId6"/>
-    <p:sldId id="258" r:id="rId7"/>
-    <p:sldId id="293" r:id="rId8"/>
-    <p:sldId id="286" r:id="rId9"/>
-    <p:sldId id="284" r:id="rId10"/>
-    <p:sldId id="294" r:id="rId11"/>
-    <p:sldId id="287" r:id="rId12"/>
-    <p:sldId id="290" r:id="rId13"/>
-    <p:sldId id="280" r:id="rId14"/>
-    <p:sldId id="295" r:id="rId15"/>
+    <p:sldId id="296" r:id="rId7"/>
+    <p:sldId id="258" r:id="rId8"/>
+    <p:sldId id="293" r:id="rId9"/>
+    <p:sldId id="286" r:id="rId10"/>
+    <p:sldId id="284" r:id="rId11"/>
+    <p:sldId id="294" r:id="rId12"/>
+    <p:sldId id="297" r:id="rId13"/>
+    <p:sldId id="298" r:id="rId14"/>
+    <p:sldId id="290" r:id="rId15"/>
+    <p:sldId id="280" r:id="rId16"/>
+    <p:sldId id="295" r:id="rId17"/>
+    <p:sldId id="287" r:id="rId18"/>
   </p:sldIdLst>
   <p:sldSz cx="9144000" cy="5143500" type="screen16x9"/>
   <p:notesSz cx="6858000" cy="9144000"/>
@@ -829,11 +832,11 @@
 </file>
 
 <file path=ppt/notesSlides/notesSlide10.xml><?xml version="1.0" encoding="utf-8"?>
-<p:notes xmlns:a="http://schemas.openxmlformats.org/drawingml/2006/main" xmlns:r="http://schemas.openxmlformats.org/officeDocument/2006/relationships" xmlns:p="http://schemas.openxmlformats.org/presentationml/2006/main">
+<p:notes xmlns:a="http://schemas.openxmlformats.org/drawingml/2006/main" xmlns:r="http://schemas.openxmlformats.org/officeDocument/2006/relationships" xmlns:p="http://schemas.openxmlformats.org/presentationml/2006/main" showMasterSp="0" showMasterPhAnim="0">
   <p:cSld>
     <p:spTree>
       <p:nvGrpSpPr>
-        <p:cNvPr id="1" name=""/>
+        <p:cNvPr id="1" name="Shape 62"/>
         <p:cNvGrpSpPr/>
         <p:nvPr/>
       </p:nvGrpSpPr>
@@ -847,12 +850,12 @@
       </p:grpSpPr>
       <p:sp>
         <p:nvSpPr>
-          <p:cNvPr id="2" name="Slide Image Placeholder 1"/>
+          <p:cNvPr id="63" name="Google Shape;63;g61574023ee_0_10:notes"/>
           <p:cNvSpPr>
             <a:spLocks noGrp="1" noRot="1" noChangeAspect="1"/>
           </p:cNvSpPr>
           <p:nvPr>
-            <p:ph type="sldImg"/>
+            <p:ph type="sldImg" idx="2"/>
           </p:nvPr>
         </p:nvSpPr>
         <p:spPr>
@@ -860,62 +863,115 @@
             <a:off x="381000" y="685800"/>
             <a:ext cx="6096000" cy="3429000"/>
           </a:xfrm>
+          <a:custGeom>
+            <a:avLst/>
+            <a:gdLst/>
+            <a:ahLst/>
+            <a:cxnLst/>
+            <a:rect l="l" t="t" r="r" b="b"/>
+            <a:pathLst>
+              <a:path w="120000" h="120000" extrusionOk="0">
+                <a:moveTo>
+                  <a:pt x="0" y="0"/>
+                </a:moveTo>
+                <a:lnTo>
+                  <a:pt x="120000" y="0"/>
+                </a:lnTo>
+                <a:lnTo>
+                  <a:pt x="120000" y="120000"/>
+                </a:lnTo>
+                <a:lnTo>
+                  <a:pt x="0" y="120000"/>
+                </a:lnTo>
+                <a:close/>
+              </a:path>
+            </a:pathLst>
+          </a:custGeom>
         </p:spPr>
       </p:sp>
       <p:sp>
         <p:nvSpPr>
-          <p:cNvPr id="3" name="Notes Placeholder 2"/>
-          <p:cNvSpPr>
+          <p:cNvPr id="64" name="Google Shape;64;g61574023ee_0_10:notes"/>
+          <p:cNvSpPr txBox="1">
             <a:spLocks noGrp="1"/>
           </p:cNvSpPr>
           <p:nvPr>
             <p:ph type="body" idx="1"/>
           </p:nvPr>
         </p:nvSpPr>
-        <p:spPr/>
+        <p:spPr>
+          <a:xfrm>
+            <a:off x="685800" y="4343400"/>
+            <a:ext cx="5486400" cy="4114800"/>
+          </a:xfrm>
+          <a:prstGeom prst="rect">
+            <a:avLst/>
+          </a:prstGeom>
+        </p:spPr>
         <p:txBody>
-          <a:bodyPr/>
+          <a:bodyPr spcFirstLastPara="1" wrap="square" lIns="91425" tIns="91425" rIns="91425" bIns="91425" anchor="t" anchorCtr="0">
+            <a:noAutofit/>
+          </a:bodyPr>
           <a:lstStyle/>
           <a:p>
-            <a:pPr marL="158750" indent="0">
-              <a:buNone/>
-            </a:pPr>
-            <a:r>
-              <a:rPr lang="en-US" dirty="0" smtClean="0"/>
-              <a:t>I</a:t>
-            </a:r>
-            <a:r>
-              <a:rPr lang="en-US" baseline="0" dirty="0" smtClean="0"/>
-              <a:t> tested a total of 8 models. The main things I wanted to point out from this graph are</a:t>
-            </a:r>
-          </a:p>
-          <a:p>
-            <a:pPr marL="457200" indent="-298450">
+            <a:pPr marL="171450" lvl="0" indent="-171450" algn="l" rtl="0">
+              <a:spcBef>
+                <a:spcPts val="0"/>
+              </a:spcBef>
+              <a:spcAft>
+                <a:spcPts val="0"/>
+              </a:spcAft>
               <a:buFontTx/>
               <a:buChar char="-"/>
             </a:pPr>
             <a:r>
               <a:rPr lang="en-US" baseline="0" dirty="0" smtClean="0"/>
-              <a:t>Predicting with posts did not do much better than baseline</a:t>
+              <a:t>After preprocessing, I looked at the most common words again</a:t>
             </a:r>
           </a:p>
           <a:p>
-            <a:pPr marL="457200" indent="-298450">
+            <a:pPr marL="171450" lvl="0" indent="-171450" algn="l" rtl="0">
+              <a:spcBef>
+                <a:spcPts val="0"/>
+              </a:spcBef>
+              <a:spcAft>
+                <a:spcPts val="0"/>
+              </a:spcAft>
               <a:buFontTx/>
               <a:buChar char="-"/>
             </a:pPr>
             <a:r>
               <a:rPr lang="en-US" baseline="0" dirty="0" smtClean="0"/>
-              <a:t>I didn’t use the best model as the production model (which will be explained later)</a:t>
-            </a:r>
-            <a:endParaRPr lang="en-US" dirty="0"/>
+              <a:t>Signals are clearer</a:t>
+            </a:r>
+          </a:p>
+          <a:p>
+            <a:pPr marL="171450" lvl="0" indent="-171450" algn="l" rtl="0">
+              <a:spcBef>
+                <a:spcPts val="0"/>
+              </a:spcBef>
+              <a:spcAft>
+                <a:spcPts val="0"/>
+              </a:spcAft>
+              <a:buFontTx/>
+              <a:buChar char="-"/>
+            </a:pPr>
+            <a:r>
+              <a:rPr lang="en-US" baseline="0" dirty="0" smtClean="0"/>
+              <a:t>Topic words are mostly unique to each </a:t>
+            </a:r>
+            <a:r>
+              <a:rPr lang="en-US" baseline="0" dirty="0" err="1" smtClean="0"/>
+              <a:t>subreddit</a:t>
+            </a:r>
+            <a:endParaRPr lang="en-US" baseline="0" dirty="0" smtClean="0"/>
           </a:p>
         </p:txBody>
       </p:sp>
     </p:spTree>
     <p:extLst>
       <p:ext uri="{BB962C8B-B14F-4D97-AF65-F5344CB8AC3E}">
-        <p14:creationId xmlns:p14="http://schemas.microsoft.com/office/powerpoint/2010/main" val="1036655014"/>
+        <p14:creationId xmlns:p14="http://schemas.microsoft.com/office/powerpoint/2010/main" val="1109049662"/>
       </p:ext>
     </p:extLst>
   </p:cSld>
@@ -983,7 +1039,39 @@
             </a:r>
             <a:r>
               <a:rPr lang="en-US" baseline="0" dirty="0" smtClean="0"/>
-              <a:t> tested a total of 8 models.</a:t>
+              <a:t> tested a total of 8 models with a slightly different approach - I placed all my </a:t>
+            </a:r>
+            <a:r>
+              <a:rPr lang="en-US" baseline="0" dirty="0" err="1" smtClean="0"/>
+              <a:t>vectoriser</a:t>
+            </a:r>
+            <a:r>
+              <a:rPr lang="en-US" baseline="0" dirty="0" smtClean="0"/>
+              <a:t> and model parameters to test  (like which </a:t>
+            </a:r>
+            <a:r>
+              <a:rPr lang="en-US" baseline="0" dirty="0" err="1" smtClean="0"/>
+              <a:t>vectoriser</a:t>
+            </a:r>
+            <a:r>
+              <a:rPr lang="en-US" baseline="0" dirty="0" smtClean="0"/>
+              <a:t>, which model </a:t>
+            </a:r>
+            <a:r>
+              <a:rPr lang="en-US" baseline="0" dirty="0" err="1" smtClean="0"/>
+              <a:t>etc</a:t>
+            </a:r>
+            <a:r>
+              <a:rPr lang="en-US" baseline="0" dirty="0" smtClean="0"/>
+              <a:t>) into a </a:t>
+            </a:r>
+            <a:r>
+              <a:rPr lang="en-US" baseline="0" dirty="0" err="1" smtClean="0"/>
+              <a:t>gridsearch</a:t>
+            </a:r>
+            <a:r>
+              <a:rPr lang="en-US" baseline="0" dirty="0" smtClean="0"/>
+              <a:t> so I can easily test different predictors. </a:t>
             </a:r>
           </a:p>
           <a:p>
@@ -993,7 +1081,7 @@
             </a:pPr>
             <a:r>
               <a:rPr lang="en-US" baseline="0" dirty="0" smtClean="0"/>
-              <a:t>Between title and post lengths, titles performed better</a:t>
+              <a:t>Between title and post lengths, titles performed better, because of the lack of posts</a:t>
             </a:r>
           </a:p>
           <a:p>
@@ -1009,7 +1097,27 @@
               <a:rPr lang="en-US" baseline="0" dirty="0" err="1" smtClean="0"/>
               <a:t>subreddits</a:t>
             </a:r>
+            <a:r>
+              <a:rPr lang="en-US" baseline="0" dirty="0" smtClean="0"/>
+              <a:t> (as shown in the previous slide)</a:t>
+            </a:r>
+          </a:p>
+          <a:p>
+            <a:pPr marL="158750" indent="0">
+              <a:buFontTx/>
+              <a:buNone/>
+            </a:pPr>
             <a:endParaRPr lang="en-US" baseline="0" dirty="0" smtClean="0"/>
+          </a:p>
+          <a:p>
+            <a:pPr marL="158750" indent="0">
+              <a:buFontTx/>
+              <a:buNone/>
+            </a:pPr>
+            <a:r>
+              <a:rPr lang="en-US" baseline="0" dirty="0" smtClean="0"/>
+              <a:t>This gave the best score so far, so I fine-tuned it further by excluding very short titles</a:t>
+            </a:r>
           </a:p>
           <a:p>
             <a:pPr marL="457200" indent="-298450">
@@ -1017,8 +1125,12 @@
               <a:buChar char="-"/>
             </a:pPr>
             <a:r>
+              <a:rPr lang="en-US" dirty="0" smtClean="0"/>
+              <a:t>As</a:t>
+            </a:r>
+            <a:r>
               <a:rPr lang="en-US" baseline="0" dirty="0" smtClean="0"/>
-              <a:t>This gave the best score so far, so I fine-tuned it further by excluding very short titles</a:t>
+              <a:t> you can see the validation set accuracy improved with longer words used in the train and validation sets</a:t>
             </a:r>
           </a:p>
           <a:p>
@@ -1027,12 +1139,8 @@
               <a:buChar char="-"/>
             </a:pPr>
             <a:r>
-              <a:rPr lang="en-US" dirty="0" smtClean="0"/>
-              <a:t>As</a:t>
-            </a:r>
-            <a:r>
               <a:rPr lang="en-US" baseline="0" dirty="0" smtClean="0"/>
-              <a:t> you can see the validation set accuracy improved with longer words used in the train and validation sets</a:t>
+              <a:t>However the median title length is actually 10, and using the best performing model would mean that it would only be able to accurately classify half the posts</a:t>
             </a:r>
           </a:p>
           <a:p>
@@ -1042,26 +1150,62 @@
             </a:pPr>
             <a:r>
               <a:rPr lang="en-US" baseline="0" dirty="0" smtClean="0"/>
-              <a:t>However the median title length is actually 10, and using the best performing model would mean that it would only be able to accurately classify half the posts</a:t>
-            </a:r>
+              <a:t>Therefore </a:t>
+            </a:r>
+            <a:r>
+              <a:rPr lang="en-US" dirty="0" smtClean="0"/>
+              <a:t>I decided to go with the original model 4 as a production model (using title and post lengths), in order to have a model that balances performance with </a:t>
+            </a:r>
+            <a:r>
+              <a:rPr lang="en-US" dirty="0" err="1" smtClean="0"/>
+              <a:t>generalisation</a:t>
+            </a:r>
+            <a:endParaRPr lang="en-US" dirty="0" smtClean="0"/>
           </a:p>
           <a:p>
-            <a:pPr marL="457200" indent="-298450">
+            <a:pPr marL="158750" indent="0">
               <a:buFontTx/>
-              <a:buChar char="-"/>
+              <a:buNone/>
             </a:pPr>
+            <a:endParaRPr lang="en-US" dirty="0" smtClean="0"/>
+          </a:p>
+          <a:p>
+            <a:pPr marL="158750" marR="0" indent="0" algn="l" defTabSz="914400" rtl="0" eaLnBrk="1" fontAlgn="auto" latinLnBrk="0" hangingPunct="1">
+              <a:lnSpc>
+                <a:spcPct val="100000"/>
+              </a:lnSpc>
+              <a:spcBef>
+                <a:spcPts val="0"/>
+              </a:spcBef>
+              <a:spcAft>
+                <a:spcPts val="0"/>
+              </a:spcAft>
+              <a:buClr>
+                <a:srgbClr val="000000"/>
+              </a:buClr>
+              <a:buSzPts val="1100"/>
+              <a:buFontTx/>
+              <a:buNone/>
+              <a:tabLst/>
+              <a:defRPr/>
+            </a:pPr>
             <a:r>
               <a:rPr lang="en-US" baseline="0" dirty="0" smtClean="0"/>
-              <a:t>Therefore </a:t>
-            </a:r>
-            <a:r>
-              <a:rPr lang="en-US" dirty="0" smtClean="0"/>
-              <a:t>I decided to go with the original model 4 as a production model (using title and post lengths), in order to have a model that balances performance with </a:t>
-            </a:r>
-            <a:r>
-              <a:rPr lang="en-US" dirty="0" err="1" smtClean="0"/>
-              <a:t>generalisation</a:t>
-            </a:r>
+              <a:t>With the production model, I got an accuracy of about 70% on the test data</a:t>
+            </a:r>
+          </a:p>
+          <a:p>
+            <a:pPr marL="158750" indent="0">
+              <a:buFontTx/>
+              <a:buNone/>
+            </a:pPr>
+            <a:endParaRPr lang="en-US" dirty="0" smtClean="0"/>
+          </a:p>
+          <a:p>
+            <a:pPr marL="158750" indent="0">
+              <a:buFontTx/>
+              <a:buNone/>
+            </a:pPr>
             <a:endParaRPr lang="en-US" dirty="0"/>
           </a:p>
         </p:txBody>
@@ -1069,7 +1213,7 @@
     </p:spTree>
     <p:extLst>
       <p:ext uri="{BB962C8B-B14F-4D97-AF65-F5344CB8AC3E}">
-        <p14:creationId xmlns:p14="http://schemas.microsoft.com/office/powerpoint/2010/main" val="2082319945"/>
+        <p14:creationId xmlns:p14="http://schemas.microsoft.com/office/powerpoint/2010/main" val="1036655014"/>
       </p:ext>
     </p:extLst>
   </p:cSld>
@@ -1080,6 +1224,89 @@
 </file>
 
 <file path=ppt/notesSlides/notesSlide12.xml><?xml version="1.0" encoding="utf-8"?>
+<p:notes xmlns:a="http://schemas.openxmlformats.org/drawingml/2006/main" xmlns:r="http://schemas.openxmlformats.org/officeDocument/2006/relationships" xmlns:p="http://schemas.openxmlformats.org/presentationml/2006/main">
+  <p:cSld>
+    <p:spTree>
+      <p:nvGrpSpPr>
+        <p:cNvPr id="1" name=""/>
+        <p:cNvGrpSpPr/>
+        <p:nvPr/>
+      </p:nvGrpSpPr>
+      <p:grpSpPr>
+        <a:xfrm>
+          <a:off x="0" y="0"/>
+          <a:ext cx="0" cy="0"/>
+          <a:chOff x="0" y="0"/>
+          <a:chExt cx="0" cy="0"/>
+        </a:xfrm>
+      </p:grpSpPr>
+      <p:sp>
+        <p:nvSpPr>
+          <p:cNvPr id="2" name="Slide Image Placeholder 1"/>
+          <p:cNvSpPr>
+            <a:spLocks noGrp="1" noRot="1" noChangeAspect="1"/>
+          </p:cNvSpPr>
+          <p:nvPr>
+            <p:ph type="sldImg"/>
+          </p:nvPr>
+        </p:nvSpPr>
+        <p:spPr/>
+      </p:sp>
+      <p:sp>
+        <p:nvSpPr>
+          <p:cNvPr id="3" name="Notes Placeholder 2"/>
+          <p:cNvSpPr>
+            <a:spLocks noGrp="1"/>
+          </p:cNvSpPr>
+          <p:nvPr>
+            <p:ph type="body" idx="1"/>
+          </p:nvPr>
+        </p:nvSpPr>
+        <p:spPr/>
+        <p:txBody>
+          <a:bodyPr/>
+          <a:lstStyle/>
+          <a:p>
+            <a:pPr marL="457200" indent="-298450">
+              <a:buFontTx/>
+              <a:buChar char="-"/>
+            </a:pPr>
+            <a:r>
+              <a:rPr lang="en-US" baseline="0" dirty="0" smtClean="0"/>
+              <a:t>The misclassifications in the production model are likely due to the high degree of overlap in the words that have the highest probabilities of occurring in each class</a:t>
+            </a:r>
+          </a:p>
+          <a:p>
+            <a:pPr marL="457200" indent="-298450">
+              <a:buFontTx/>
+              <a:buChar char="-"/>
+            </a:pPr>
+            <a:r>
+              <a:rPr lang="en-US" baseline="0" dirty="0" smtClean="0"/>
+              <a:t>This shows that there are some similarities in what people discuss in both </a:t>
+            </a:r>
+            <a:r>
+              <a:rPr lang="en-US" baseline="0" smtClean="0"/>
+              <a:t>subreddits</a:t>
+            </a:r>
+            <a:endParaRPr lang="en-US" dirty="0"/>
+          </a:p>
+        </p:txBody>
+      </p:sp>
+    </p:spTree>
+    <p:extLst>
+      <p:ext uri="{BB962C8B-B14F-4D97-AF65-F5344CB8AC3E}">
+        <p14:creationId xmlns:p14="http://schemas.microsoft.com/office/powerpoint/2010/main" val="1560040317"/>
+      </p:ext>
+    </p:extLst>
+  </p:cSld>
+  <p:clrMapOvr>
+    <a:masterClrMapping/>
+  </p:clrMapOvr>
+</p:notes>
+</file>
+
+<file path=ppt/notesSlides/notesSlide13.xml><?xml version="1.0" encoding="utf-8"?>
 <p:notes xmlns:a="http://schemas.openxmlformats.org/drawingml/2006/main" xmlns:r="http://schemas.openxmlformats.org/officeDocument/2006/relationships" xmlns:p="http://schemas.openxmlformats.org/presentationml/2006/main">
   <p:cSld>
     <p:spTree>
@@ -1139,6 +1366,202 @@
     <p:extLst>
       <p:ext uri="{BB962C8B-B14F-4D97-AF65-F5344CB8AC3E}">
         <p14:creationId xmlns:p14="http://schemas.microsoft.com/office/powerpoint/2010/main" val="2096370211"/>
+      </p:ext>
+    </p:extLst>
+  </p:cSld>
+  <p:clrMapOvr>
+    <a:masterClrMapping/>
+  </p:clrMapOvr>
+</p:notes>
+</file>
+
+<file path=ppt/notesSlides/notesSlide14.xml><?xml version="1.0" encoding="utf-8"?>
+<p:notes xmlns:a="http://schemas.openxmlformats.org/drawingml/2006/main" xmlns:r="http://schemas.openxmlformats.org/officeDocument/2006/relationships" xmlns:p="http://schemas.openxmlformats.org/presentationml/2006/main">
+  <p:cSld>
+    <p:spTree>
+      <p:nvGrpSpPr>
+        <p:cNvPr id="1" name=""/>
+        <p:cNvGrpSpPr/>
+        <p:nvPr/>
+      </p:nvGrpSpPr>
+      <p:grpSpPr>
+        <a:xfrm>
+          <a:off x="0" y="0"/>
+          <a:ext cx="0" cy="0"/>
+          <a:chOff x="0" y="0"/>
+          <a:chExt cx="0" cy="0"/>
+        </a:xfrm>
+      </p:grpSpPr>
+      <p:sp>
+        <p:nvSpPr>
+          <p:cNvPr id="2" name="Slide Image Placeholder 1"/>
+          <p:cNvSpPr>
+            <a:spLocks noGrp="1" noRot="1" noChangeAspect="1"/>
+          </p:cNvSpPr>
+          <p:nvPr>
+            <p:ph type="sldImg"/>
+          </p:nvPr>
+        </p:nvSpPr>
+        <p:spPr>
+          <a:xfrm>
+            <a:off x="381000" y="685800"/>
+            <a:ext cx="6096000" cy="3429000"/>
+          </a:xfrm>
+        </p:spPr>
+      </p:sp>
+      <p:sp>
+        <p:nvSpPr>
+          <p:cNvPr id="3" name="Notes Placeholder 2"/>
+          <p:cNvSpPr>
+            <a:spLocks noGrp="1"/>
+          </p:cNvSpPr>
+          <p:nvPr>
+            <p:ph type="body" idx="1"/>
+          </p:nvPr>
+        </p:nvSpPr>
+        <p:spPr/>
+        <p:txBody>
+          <a:bodyPr/>
+          <a:lstStyle/>
+          <a:p>
+            <a:pPr marL="158750" indent="0">
+              <a:buNone/>
+            </a:pPr>
+            <a:r>
+              <a:rPr lang="en-US" dirty="0" smtClean="0"/>
+              <a:t>I</a:t>
+            </a:r>
+            <a:r>
+              <a:rPr lang="en-US" baseline="0" dirty="0" smtClean="0"/>
+              <a:t> tested a total of 8 models with a slightly different approach - I placed all my </a:t>
+            </a:r>
+            <a:r>
+              <a:rPr lang="en-US" baseline="0" dirty="0" err="1" smtClean="0"/>
+              <a:t>vectoriser</a:t>
+            </a:r>
+            <a:r>
+              <a:rPr lang="en-US" baseline="0" dirty="0" smtClean="0"/>
+              <a:t> and model parameters to test  (like which </a:t>
+            </a:r>
+            <a:r>
+              <a:rPr lang="en-US" baseline="0" dirty="0" err="1" smtClean="0"/>
+              <a:t>vectoriser</a:t>
+            </a:r>
+            <a:r>
+              <a:rPr lang="en-US" baseline="0" dirty="0" smtClean="0"/>
+              <a:t>, which model </a:t>
+            </a:r>
+            <a:r>
+              <a:rPr lang="en-US" baseline="0" dirty="0" err="1" smtClean="0"/>
+              <a:t>etc</a:t>
+            </a:r>
+            <a:r>
+              <a:rPr lang="en-US" baseline="0" dirty="0" smtClean="0"/>
+              <a:t>) into a </a:t>
+            </a:r>
+            <a:r>
+              <a:rPr lang="en-US" baseline="0" dirty="0" err="1" smtClean="0"/>
+              <a:t>gridsearch</a:t>
+            </a:r>
+            <a:r>
+              <a:rPr lang="en-US" baseline="0" dirty="0" smtClean="0"/>
+              <a:t> so I can easily test different predictors. </a:t>
+            </a:r>
+          </a:p>
+          <a:p>
+            <a:pPr marL="457200" indent="-298450">
+              <a:buFontTx/>
+              <a:buChar char="-"/>
+            </a:pPr>
+            <a:r>
+              <a:rPr lang="en-US" baseline="0" dirty="0" smtClean="0"/>
+              <a:t>Between title and post lengths, titles performed better, because of the lack of posts</a:t>
+            </a:r>
+          </a:p>
+          <a:p>
+            <a:pPr marL="457200" indent="-298450">
+              <a:buFontTx/>
+              <a:buChar char="-"/>
+            </a:pPr>
+            <a:r>
+              <a:rPr lang="en-US" baseline="0" dirty="0" smtClean="0"/>
+              <a:t>Therefore I excluded posts from my model, and added post lengths to titles as post lengths are quite different between the </a:t>
+            </a:r>
+            <a:r>
+              <a:rPr lang="en-US" baseline="0" dirty="0" err="1" smtClean="0"/>
+              <a:t>subreddits</a:t>
+            </a:r>
+            <a:r>
+              <a:rPr lang="en-US" baseline="0" dirty="0" smtClean="0"/>
+              <a:t> (as shown in the previous slide)</a:t>
+            </a:r>
+          </a:p>
+          <a:p>
+            <a:pPr marL="158750" indent="0">
+              <a:buFontTx/>
+              <a:buNone/>
+            </a:pPr>
+            <a:endParaRPr lang="en-US" baseline="0" dirty="0" smtClean="0"/>
+          </a:p>
+          <a:p>
+            <a:pPr marL="158750" indent="0">
+              <a:buFontTx/>
+              <a:buNone/>
+            </a:pPr>
+            <a:r>
+              <a:rPr lang="en-US" baseline="0" dirty="0" smtClean="0"/>
+              <a:t>This gave the best score so far, so I fine-tuned it further by excluding very short titles</a:t>
+            </a:r>
+          </a:p>
+          <a:p>
+            <a:pPr marL="457200" indent="-298450">
+              <a:buFontTx/>
+              <a:buChar char="-"/>
+            </a:pPr>
+            <a:r>
+              <a:rPr lang="en-US" dirty="0" smtClean="0"/>
+              <a:t>As</a:t>
+            </a:r>
+            <a:r>
+              <a:rPr lang="en-US" baseline="0" dirty="0" smtClean="0"/>
+              <a:t> you can see the validation set accuracy improved with longer words used in the train and validation sets</a:t>
+            </a:r>
+          </a:p>
+          <a:p>
+            <a:pPr marL="457200" indent="-298450">
+              <a:buFontTx/>
+              <a:buChar char="-"/>
+            </a:pPr>
+            <a:r>
+              <a:rPr lang="en-US" baseline="0" dirty="0" smtClean="0"/>
+              <a:t>However the median title length is actually 10, and using the best performing model would mean that it would only be able to accurately classify half the posts</a:t>
+            </a:r>
+          </a:p>
+          <a:p>
+            <a:pPr marL="457200" indent="-298450">
+              <a:buFontTx/>
+              <a:buChar char="-"/>
+            </a:pPr>
+            <a:r>
+              <a:rPr lang="en-US" baseline="0" dirty="0" smtClean="0"/>
+              <a:t>Therefore </a:t>
+            </a:r>
+            <a:r>
+              <a:rPr lang="en-US" dirty="0" smtClean="0"/>
+              <a:t>I decided to go with the original model 4 as a production model (using title and post lengths), in order to have a model that balances performance with </a:t>
+            </a:r>
+            <a:r>
+              <a:rPr lang="en-US" dirty="0" err="1" smtClean="0"/>
+              <a:t>generalisation</a:t>
+            </a:r>
+            <a:endParaRPr lang="en-US" dirty="0"/>
+          </a:p>
+        </p:txBody>
+      </p:sp>
+    </p:spTree>
+    <p:extLst>
+      <p:ext uri="{BB962C8B-B14F-4D97-AF65-F5344CB8AC3E}">
+        <p14:creationId xmlns:p14="http://schemas.microsoft.com/office/powerpoint/2010/main" val="2082319945"/>
       </p:ext>
     </p:extLst>
   </p:cSld>
@@ -1518,8 +1941,16 @@
               <a:buChar char="-"/>
             </a:pPr>
             <a:r>
+              <a:rPr lang="en-US" dirty="0" smtClean="0"/>
+              <a:t>Very few posts have texts in their body.</a:t>
+            </a:r>
+            <a:r>
               <a:rPr lang="en-US" baseline="0" dirty="0" smtClean="0"/>
-              <a:t>Very right-skewed distributions with a lot of outliers</a:t>
+              <a:t> M</a:t>
+            </a:r>
+            <a:r>
+              <a:rPr lang="en-US" dirty="0" smtClean="0"/>
+              <a:t>ajority of the posts are links, images, or consists purely of e.g. a question in the title. </a:t>
             </a:r>
           </a:p>
           <a:p>
@@ -1534,48 +1965,33 @@
               <a:buChar char="-"/>
             </a:pPr>
             <a:r>
+              <a:rPr lang="en-US" dirty="0" smtClean="0"/>
+              <a:t>So</a:t>
+            </a:r>
+            <a:r>
               <a:rPr lang="en-US" baseline="0" dirty="0" smtClean="0"/>
-              <a:t>Title lengths between the two </a:t>
-            </a:r>
-            <a:r>
-              <a:rPr lang="en-US" baseline="0" dirty="0" err="1" smtClean="0"/>
-              <a:t>subreddits</a:t>
+              <a:t> it </a:t>
+            </a:r>
+            <a:r>
+              <a:rPr lang="en-US" dirty="0" smtClean="0"/>
+              <a:t>would not</a:t>
             </a:r>
             <a:r>
               <a:rPr lang="en-US" baseline="0" dirty="0" smtClean="0"/>
-              <a:t> are quite similar</a:t>
-            </a:r>
-          </a:p>
-          <a:p>
-            <a:pPr marL="171450" lvl="0" indent="-171450" algn="l" rtl="0">
-              <a:spcBef>
-                <a:spcPts val="0"/>
-              </a:spcBef>
-              <a:spcAft>
-                <a:spcPts val="0"/>
-              </a:spcAft>
-              <a:buFontTx/>
-              <a:buChar char="-"/>
-            </a:pPr>
-            <a:r>
-              <a:rPr lang="en-US" baseline="0" dirty="0" smtClean="0"/>
-              <a:t>r/</a:t>
-            </a:r>
-            <a:r>
-              <a:rPr lang="en-US" baseline="0" dirty="0" err="1" smtClean="0"/>
-              <a:t>singapore</a:t>
-            </a:r>
-            <a:r>
-              <a:rPr lang="en-US" baseline="0" dirty="0" smtClean="0"/>
-              <a:t> has longer posts and longer comments</a:t>
-            </a:r>
+              <a:t> </a:t>
+            </a:r>
+            <a:r>
+              <a:rPr lang="en-US" dirty="0" smtClean="0"/>
+              <a:t>be a good idea to predict new posts based on their post contents as it would be absent in most of them.</a:t>
+            </a:r>
+            <a:endParaRPr lang="en-US" baseline="0" dirty="0" smtClean="0"/>
           </a:p>
         </p:txBody>
       </p:sp>
     </p:spTree>
     <p:extLst>
       <p:ext uri="{BB962C8B-B14F-4D97-AF65-F5344CB8AC3E}">
-        <p14:creationId xmlns:p14="http://schemas.microsoft.com/office/powerpoint/2010/main" val="796022389"/>
+        <p14:creationId xmlns:p14="http://schemas.microsoft.com/office/powerpoint/2010/main" val="200871848"/>
       </p:ext>
     </p:extLst>
   </p:cSld>
@@ -1680,45 +2096,8 @@
             </a:pPr>
             <a:r>
               <a:rPr lang="en-US" baseline="0" dirty="0" smtClean="0"/>
-              <a:t>The top words by count in the two </a:t>
-            </a:r>
-            <a:r>
-              <a:rPr lang="en-US" baseline="0" dirty="0" err="1" smtClean="0"/>
-              <a:t>subreddits</a:t>
-            </a:r>
-            <a:r>
-              <a:rPr lang="en-US" baseline="0" dirty="0" smtClean="0"/>
-              <a:t> are dominated by noise, which can be attributed to </a:t>
-            </a:r>
-            <a:r>
-              <a:rPr lang="en-US" dirty="0" smtClean="0"/>
-              <a:t>daily discussion posts made by moderators (evident from the "questions thread", "</a:t>
-            </a:r>
-            <a:r>
-              <a:rPr lang="en-US" dirty="0" err="1" smtClean="0"/>
-              <a:t>singapore</a:t>
-            </a:r>
-            <a:r>
-              <a:rPr lang="en-US" dirty="0" smtClean="0"/>
-              <a:t> random discussion", "</a:t>
-            </a:r>
-            <a:r>
-              <a:rPr lang="en-US" dirty="0" err="1" smtClean="0"/>
-              <a:t>malaysia</a:t>
-            </a:r>
-            <a:r>
-              <a:rPr lang="en-US" dirty="0" smtClean="0"/>
-              <a:t> daily random" </a:t>
-            </a:r>
-            <a:r>
-              <a:rPr lang="en-US" dirty="0" err="1" smtClean="0"/>
-              <a:t>etc</a:t>
-            </a:r>
-            <a:r>
-              <a:rPr lang="en-US" dirty="0" smtClean="0"/>
-              <a:t>)</a:t>
-            </a:r>
-            <a:endParaRPr lang="en-US" baseline="0" dirty="0" smtClean="0"/>
+              <a:t>Very right-skewed distributions with a lot of outliers</a:t>
+            </a:r>
           </a:p>
           <a:p>
             <a:pPr marL="171450" lvl="0" indent="-171450" algn="l" rtl="0">
@@ -1731,14 +2110,49 @@
               <a:buFontTx/>
               <a:buChar char="-"/>
             </a:pPr>
-            <a:endParaRPr lang="en-US" baseline="0" dirty="0" smtClean="0"/>
+            <a:r>
+              <a:rPr lang="en-US" baseline="0" dirty="0" smtClean="0"/>
+              <a:t>Title lengths between the two </a:t>
+            </a:r>
+            <a:r>
+              <a:rPr lang="en-US" baseline="0" dirty="0" err="1" smtClean="0"/>
+              <a:t>subreddits</a:t>
+            </a:r>
+            <a:r>
+              <a:rPr lang="en-US" baseline="0" dirty="0" smtClean="0"/>
+              <a:t> are quite similar</a:t>
+            </a:r>
+          </a:p>
+          <a:p>
+            <a:pPr marL="171450" lvl="0" indent="-171450" algn="l" rtl="0">
+              <a:spcBef>
+                <a:spcPts val="0"/>
+              </a:spcBef>
+              <a:spcAft>
+                <a:spcPts val="0"/>
+              </a:spcAft>
+              <a:buFontTx/>
+              <a:buChar char="-"/>
+            </a:pPr>
+            <a:r>
+              <a:rPr lang="en-US" baseline="0" dirty="0" smtClean="0"/>
+              <a:t>r/</a:t>
+            </a:r>
+            <a:r>
+              <a:rPr lang="en-US" baseline="0" dirty="0" err="1" smtClean="0"/>
+              <a:t>singapore</a:t>
+            </a:r>
+            <a:r>
+              <a:rPr lang="en-US" baseline="0" dirty="0" smtClean="0"/>
+              <a:t> has longer posts and longer comments</a:t>
+            </a:r>
           </a:p>
         </p:txBody>
       </p:sp>
     </p:spTree>
     <p:extLst>
       <p:ext uri="{BB962C8B-B14F-4D97-AF65-F5344CB8AC3E}">
-        <p14:creationId xmlns:p14="http://schemas.microsoft.com/office/powerpoint/2010/main" val="424891745"/>
+        <p14:creationId xmlns:p14="http://schemas.microsoft.com/office/powerpoint/2010/main" val="796022389"/>
       </p:ext>
     </p:extLst>
   </p:cSld>
@@ -1843,11 +2257,48 @@
             </a:pPr>
             <a:r>
               <a:rPr lang="en-US" baseline="0" dirty="0" smtClean="0"/>
-              <a:t>Main preprocessing steps, mainly to</a:t>
-            </a:r>
+              <a:t>The top words by count in the two </a:t>
+            </a:r>
+            <a:r>
+              <a:rPr lang="en-US" baseline="0" dirty="0" err="1" smtClean="0"/>
+              <a:t>subreddits</a:t>
+            </a:r>
+            <a:r>
+              <a:rPr lang="en-US" baseline="0" dirty="0" smtClean="0"/>
+              <a:t> are dominated by noise, which can be attributed to </a:t>
+            </a:r>
+            <a:r>
+              <a:rPr lang="en-US" dirty="0" smtClean="0"/>
+              <a:t>daily discussion posts made by moderators (evident from the "questions thread", "</a:t>
+            </a:r>
+            <a:r>
+              <a:rPr lang="en-US" dirty="0" err="1" smtClean="0"/>
+              <a:t>singapore</a:t>
+            </a:r>
+            <a:r>
+              <a:rPr lang="en-US" dirty="0" smtClean="0"/>
+              <a:t> random discussion", "</a:t>
+            </a:r>
+            <a:r>
+              <a:rPr lang="en-US" dirty="0" err="1" smtClean="0"/>
+              <a:t>malaysia</a:t>
+            </a:r>
+            <a:r>
+              <a:rPr lang="en-US" dirty="0" smtClean="0"/>
+              <a:t> daily random" </a:t>
+            </a:r>
+            <a:r>
+              <a:rPr lang="en-US" dirty="0" err="1" smtClean="0"/>
+              <a:t>etc</a:t>
+            </a:r>
+            <a:r>
+              <a:rPr lang="en-US" dirty="0" smtClean="0"/>
+              <a:t>)</a:t>
+            </a:r>
+            <a:endParaRPr lang="en-US" baseline="0" dirty="0" smtClean="0"/>
           </a:p>
           <a:p>
-            <a:pPr marL="628650" lvl="1" indent="-171450" algn="l" rtl="0">
+            <a:pPr marL="171450" lvl="0" indent="-171450" algn="l" rtl="0">
               <a:spcBef>
                 <a:spcPts val="0"/>
               </a:spcBef>
@@ -1857,26 +2308,6 @@
               <a:buFontTx/>
               <a:buChar char="-"/>
             </a:pPr>
-            <a:r>
-              <a:rPr lang="en-US" baseline="0" dirty="0" smtClean="0"/>
-              <a:t>Clean up noise in the data</a:t>
-            </a:r>
-          </a:p>
-          <a:p>
-            <a:pPr marL="628650" lvl="1" indent="-171450" algn="l" rtl="0">
-              <a:spcBef>
-                <a:spcPts val="0"/>
-              </a:spcBef>
-              <a:spcAft>
-                <a:spcPts val="0"/>
-              </a:spcAft>
-              <a:buFontTx/>
-              <a:buChar char="-"/>
-            </a:pPr>
-            <a:r>
-              <a:rPr lang="en-US" baseline="0" dirty="0" smtClean="0"/>
-              <a:t>Engineer new features</a:t>
-            </a:r>
             <a:endParaRPr lang="en-US" baseline="0" dirty="0" smtClean="0"/>
           </a:p>
         </p:txBody>
@@ -1884,7 +2315,7 @@
     </p:spTree>
     <p:extLst>
       <p:ext uri="{BB962C8B-B14F-4D97-AF65-F5344CB8AC3E}">
-        <p14:creationId xmlns:p14="http://schemas.microsoft.com/office/powerpoint/2010/main" val="2101487309"/>
+        <p14:creationId xmlns:p14="http://schemas.microsoft.com/office/powerpoint/2010/main" val="424891745"/>
       </p:ext>
     </p:extLst>
   </p:cSld>
@@ -1989,11 +2420,11 @@
             </a:pPr>
             <a:r>
               <a:rPr lang="en-US" baseline="0" dirty="0" smtClean="0"/>
-              <a:t>Signals are clearer</a:t>
+              <a:t>Main preprocessing steps, mainly to</a:t>
             </a:r>
           </a:p>
           <a:p>
-            <a:pPr marL="171450" lvl="0" indent="-171450" algn="l" rtl="0">
+            <a:pPr marL="628650" lvl="1" indent="-171450" algn="l" rtl="0">
               <a:spcBef>
                 <a:spcPts val="0"/>
               </a:spcBef>
@@ -2005,20 +2436,31 @@
             </a:pPr>
             <a:r>
               <a:rPr lang="en-US" baseline="0" dirty="0" smtClean="0"/>
-              <a:t>Topic words are mostly unique to each </a:t>
-            </a:r>
-            <a:r>
-              <a:rPr lang="en-US" baseline="0" dirty="0" err="1" smtClean="0"/>
-              <a:t>subreddit</a:t>
-            </a:r>
-            <a:endParaRPr lang="en-US" baseline="0" dirty="0" smtClean="0"/>
+              <a:t>Clean up noise in the data</a:t>
+            </a:r>
+          </a:p>
+          <a:p>
+            <a:pPr marL="628650" lvl="1" indent="-171450" algn="l" rtl="0">
+              <a:spcBef>
+                <a:spcPts val="0"/>
+              </a:spcBef>
+              <a:spcAft>
+                <a:spcPts val="0"/>
+              </a:spcAft>
+              <a:buFontTx/>
+              <a:buChar char="-"/>
+            </a:pPr>
+            <a:r>
+              <a:rPr lang="en-US" baseline="0" dirty="0" smtClean="0"/>
+              <a:t>Engineer new features</a:t>
+            </a:r>
           </a:p>
         </p:txBody>
       </p:sp>
     </p:spTree>
     <p:extLst>
       <p:ext uri="{BB962C8B-B14F-4D97-AF65-F5344CB8AC3E}">
-        <p14:creationId xmlns:p14="http://schemas.microsoft.com/office/powerpoint/2010/main" val="1109049662"/>
+        <p14:creationId xmlns:p14="http://schemas.microsoft.com/office/powerpoint/2010/main" val="2101487309"/>
       </p:ext>
     </p:extLst>
   </p:cSld>
@@ -6596,6 +7038,164 @@
   <p:cSld>
     <p:spTree>
       <p:nvGrpSpPr>
+        <p:cNvPr id="1" name="Shape 65"/>
+        <p:cNvGrpSpPr/>
+        <p:nvPr/>
+      </p:nvGrpSpPr>
+      <p:grpSpPr>
+        <a:xfrm>
+          <a:off x="0" y="0"/>
+          <a:ext cx="0" cy="0"/>
+          <a:chOff x="0" y="0"/>
+          <a:chExt cx="0" cy="0"/>
+        </a:xfrm>
+      </p:grpSpPr>
+      <p:pic>
+        <p:nvPicPr>
+          <p:cNvPr id="2" name="Picture 1"/>
+          <p:cNvPicPr>
+            <a:picLocks noChangeAspect="1"/>
+          </p:cNvPicPr>
+          <p:nvPr/>
+        </p:nvPicPr>
+        <p:blipFill>
+          <a:blip r:embed="rId3">
+            <a:extLst>
+              <a:ext uri="{28A0092B-C50C-407E-A947-70E740481C1C}">
+                <a14:useLocalDpi xmlns:a14="http://schemas.microsoft.com/office/drawing/2010/main" val="0"/>
+              </a:ext>
+            </a:extLst>
+          </a:blip>
+          <a:stretch>
+            <a:fillRect/>
+          </a:stretch>
+        </p:blipFill>
+        <p:spPr>
+          <a:xfrm>
+            <a:off x="114395" y="0"/>
+            <a:ext cx="8822470" cy="5143500"/>
+          </a:xfrm>
+          <a:prstGeom prst="rect">
+            <a:avLst/>
+          </a:prstGeom>
+        </p:spPr>
+      </p:pic>
+      <p:sp>
+        <p:nvSpPr>
+          <p:cNvPr id="4" name="Slide Number Placeholder 3"/>
+          <p:cNvSpPr>
+            <a:spLocks noGrp="1"/>
+          </p:cNvSpPr>
+          <p:nvPr>
+            <p:ph type="sldNum" idx="12"/>
+          </p:nvPr>
+        </p:nvSpPr>
+        <p:spPr/>
+        <p:txBody>
+          <a:bodyPr/>
+          <a:lstStyle/>
+          <a:p>
+            <a:pPr marL="0" lvl="0" indent="0" algn="r" rtl="0">
+              <a:spcBef>
+                <a:spcPts val="0"/>
+              </a:spcBef>
+              <a:spcAft>
+                <a:spcPts val="0"/>
+              </a:spcAft>
+              <a:buNone/>
+            </a:pPr>
+            <a:fld id="{00000000-1234-1234-1234-123412341234}" type="slidenum">
+              <a:rPr lang="en-GB" smtClean="0"/>
+              <a:t>10</a:t>
+            </a:fld>
+            <a:endParaRPr lang="en-GB"/>
+          </a:p>
+        </p:txBody>
+      </p:sp>
+      <p:sp>
+        <p:nvSpPr>
+          <p:cNvPr id="13" name="Google Shape;66;p15"/>
+          <p:cNvSpPr txBox="1">
+            <a:spLocks noGrp="1"/>
+          </p:cNvSpPr>
+          <p:nvPr>
+            <p:ph type="title"/>
+          </p:nvPr>
+        </p:nvSpPr>
+        <p:spPr>
+          <a:xfrm>
+            <a:off x="114395" y="197577"/>
+            <a:ext cx="5407324" cy="498626"/>
+          </a:xfrm>
+          <a:prstGeom prst="rect">
+            <a:avLst/>
+          </a:prstGeom>
+        </p:spPr>
+        <p:txBody>
+          <a:bodyPr spcFirstLastPara="1" wrap="square" lIns="91425" tIns="91425" rIns="91425" bIns="91425" anchor="t" anchorCtr="0">
+            <a:noAutofit/>
+          </a:bodyPr>
+          <a:lstStyle/>
+          <a:p>
+            <a:pPr lvl="0"/>
+            <a:r>
+              <a:rPr lang="en-GB" sz="1600" b="1" smtClean="0">
+                <a:solidFill>
+                  <a:schemeClr val="tx1">
+                    <a:lumMod val="75000"/>
+                    <a:lumOff val="25000"/>
+                  </a:schemeClr>
+                </a:solidFill>
+              </a:rPr>
+              <a:t>Most common words after </a:t>
+            </a:r>
+            <a:r>
+              <a:rPr lang="en-GB" sz="1600" b="1" dirty="0" err="1" smtClean="0">
+                <a:solidFill>
+                  <a:schemeClr val="tx1">
+                    <a:lumMod val="75000"/>
+                    <a:lumOff val="25000"/>
+                  </a:schemeClr>
+                </a:solidFill>
+              </a:rPr>
+              <a:t>preprocessing</a:t>
+            </a:r>
+            <a:endParaRPr lang="en-GB" sz="1600" b="1" dirty="0">
+              <a:solidFill>
+                <a:schemeClr val="tx1">
+                  <a:lumMod val="75000"/>
+                  <a:lumOff val="25000"/>
+                </a:schemeClr>
+              </a:solidFill>
+            </a:endParaRPr>
+          </a:p>
+        </p:txBody>
+      </p:sp>
+    </p:spTree>
+    <p:extLst>
+      <p:ext uri="{BB962C8B-B14F-4D97-AF65-F5344CB8AC3E}">
+        <p14:creationId xmlns:p14="http://schemas.microsoft.com/office/powerpoint/2010/main" val="635098636"/>
+      </p:ext>
+    </p:extLst>
+  </p:cSld>
+  <p:clrMapOvr>
+    <a:masterClrMapping/>
+  </p:clrMapOvr>
+  <p:timing>
+    <p:tnLst>
+      <p:par>
+        <p:cTn id="1" dur="indefinite" restart="never" nodeType="tmRoot"/>
+      </p:par>
+    </p:tnLst>
+  </p:timing>
+</p:sld>
+</file>
+
+<file path=ppt/slides/slide11.xml><?xml version="1.0" encoding="utf-8"?>
+<p:sld xmlns:a="http://schemas.openxmlformats.org/drawingml/2006/main" xmlns:r="http://schemas.openxmlformats.org/officeDocument/2006/relationships" xmlns:p="http://schemas.openxmlformats.org/presentationml/2006/main">
+  <p:cSld>
+    <p:spTree>
+      <p:nvGrpSpPr>
         <p:cNvPr id="1" name=""/>
         <p:cNvGrpSpPr/>
         <p:nvPr/>
@@ -6634,7 +7234,7 @@
             </a:pPr>
             <a:fld id="{00000000-1234-1234-1234-123412341234}" type="slidenum">
               <a:rPr lang="en-GB" smtClean="0"/>
-              <a:t>10</a:t>
+              <a:t>11</a:t>
             </a:fld>
             <a:endParaRPr lang="en-GB"/>
           </a:p>
@@ -6941,9 +7541,610 @@
           </a:p>
         </p:txBody>
       </p:sp>
+      <p:sp>
+        <p:nvSpPr>
+          <p:cNvPr id="3" name="Rectangle 2"/>
+          <p:cNvSpPr/>
+          <p:nvPr/>
+        </p:nvSpPr>
+        <p:spPr>
+          <a:xfrm>
+            <a:off x="403761" y="1520042"/>
+            <a:ext cx="8617397" cy="510639"/>
+          </a:xfrm>
+          <a:prstGeom prst="rect">
+            <a:avLst/>
+          </a:prstGeom>
+          <a:noFill/>
+          <a:ln>
+            <a:solidFill>
+              <a:schemeClr val="tx1"/>
+            </a:solidFill>
+          </a:ln>
+        </p:spPr>
+        <p:style>
+          <a:lnRef idx="2">
+            <a:schemeClr val="accent1">
+              <a:shade val="50000"/>
+            </a:schemeClr>
+          </a:lnRef>
+          <a:fillRef idx="1">
+            <a:schemeClr val="accent1"/>
+          </a:fillRef>
+          <a:effectRef idx="0">
+            <a:schemeClr val="accent1"/>
+          </a:effectRef>
+          <a:fontRef idx="minor">
+            <a:schemeClr val="lt1"/>
+          </a:fontRef>
+        </p:style>
+        <p:txBody>
+          <a:bodyPr rtlCol="0" anchor="ctr"/>
+          <a:lstStyle/>
+          <a:p>
+            <a:pPr algn="ctr"/>
+            <a:endParaRPr lang="en-US"/>
+          </a:p>
+        </p:txBody>
+      </p:sp>
+    </p:spTree>
+    <p:extLst>
+      <p:ext uri="{BB962C8B-B14F-4D97-AF65-F5344CB8AC3E}">
+        <p14:creationId xmlns:p14="http://schemas.microsoft.com/office/powerpoint/2010/main" val="1193074206"/>
+      </p:ext>
+    </p:extLst>
+  </p:cSld>
+  <p:clrMapOvr>
+    <a:masterClrMapping/>
+  </p:clrMapOvr>
+</p:sld>
+</file>
+
+<file path=ppt/slides/slide12.xml><?xml version="1.0" encoding="utf-8"?>
+<p:sld xmlns:a="http://schemas.openxmlformats.org/drawingml/2006/main" xmlns:r="http://schemas.openxmlformats.org/officeDocument/2006/relationships" xmlns:p="http://schemas.openxmlformats.org/presentationml/2006/main">
+  <p:cSld>
+    <p:spTree>
+      <p:nvGrpSpPr>
+        <p:cNvPr id="1" name=""/>
+        <p:cNvGrpSpPr/>
+        <p:nvPr/>
+      </p:nvGrpSpPr>
+      <p:grpSpPr>
+        <a:xfrm>
+          <a:off x="0" y="0"/>
+          <a:ext cx="0" cy="0"/>
+          <a:chOff x="0" y="0"/>
+          <a:chExt cx="0" cy="0"/>
+        </a:xfrm>
+      </p:grpSpPr>
+      <p:sp>
+        <p:nvSpPr>
+          <p:cNvPr id="3" name="Slide Number Placeholder 2"/>
+          <p:cNvSpPr>
+            <a:spLocks noGrp="1"/>
+          </p:cNvSpPr>
+          <p:nvPr>
+            <p:ph type="sldNum" idx="12"/>
+          </p:nvPr>
+        </p:nvSpPr>
+        <p:spPr/>
+        <p:txBody>
+          <a:bodyPr/>
+          <a:lstStyle/>
+          <a:p>
+            <a:pPr marL="0" lvl="0" indent="0" algn="r" rtl="0">
+              <a:spcBef>
+                <a:spcPts val="0"/>
+              </a:spcBef>
+              <a:spcAft>
+                <a:spcPts val="0"/>
+              </a:spcAft>
+              <a:buNone/>
+            </a:pPr>
+            <a:fld id="{00000000-1234-1234-1234-123412341234}" type="slidenum">
+              <a:rPr lang="en-GB" smtClean="0"/>
+              <a:t>12</a:t>
+            </a:fld>
+            <a:endParaRPr lang="en-GB"/>
+          </a:p>
+        </p:txBody>
+      </p:sp>
+      <p:sp>
+        <p:nvSpPr>
+          <p:cNvPr id="6" name="Title 1"/>
+          <p:cNvSpPr txBox="1">
+            <a:spLocks/>
+          </p:cNvSpPr>
+          <p:nvPr/>
+        </p:nvSpPr>
+        <p:spPr>
+          <a:xfrm>
+            <a:off x="623400" y="721452"/>
+            <a:ext cx="8520600" cy="572700"/>
+          </a:xfrm>
+          <a:prstGeom prst="rect">
+            <a:avLst/>
+          </a:prstGeom>
+        </p:spPr>
+        <p:txBody>
+          <a:bodyPr/>
+          <a:lstStyle>
+            <a:defPPr marR="0" lvl="0" algn="l" rtl="0">
+              <a:lnSpc>
+                <a:spcPct val="100000"/>
+              </a:lnSpc>
+              <a:spcBef>
+                <a:spcPts val="0"/>
+              </a:spcBef>
+              <a:spcAft>
+                <a:spcPts val="0"/>
+              </a:spcAft>
+            </a:defPPr>
+            <a:lvl1pPr marR="0" lvl="0" algn="l" rtl="0">
+              <a:lnSpc>
+                <a:spcPct val="100000"/>
+              </a:lnSpc>
+              <a:spcBef>
+                <a:spcPts val="0"/>
+              </a:spcBef>
+              <a:spcAft>
+                <a:spcPts val="0"/>
+              </a:spcAft>
+              <a:buClr>
+                <a:srgbClr val="000000"/>
+              </a:buClr>
+              <a:buFont typeface="Arial"/>
+              <a:defRPr sz="1400" b="0" i="0" u="none" strike="noStrike" cap="none">
+                <a:solidFill>
+                  <a:srgbClr val="000000"/>
+                </a:solidFill>
+                <a:latin typeface="Arial"/>
+                <a:ea typeface="Arial"/>
+                <a:cs typeface="Arial"/>
+                <a:sym typeface="Arial"/>
+              </a:defRPr>
+            </a:lvl1pPr>
+            <a:lvl2pPr marR="0" lvl="1" algn="l" rtl="0">
+              <a:lnSpc>
+                <a:spcPct val="100000"/>
+              </a:lnSpc>
+              <a:spcBef>
+                <a:spcPts val="0"/>
+              </a:spcBef>
+              <a:spcAft>
+                <a:spcPts val="0"/>
+              </a:spcAft>
+              <a:buClr>
+                <a:srgbClr val="000000"/>
+              </a:buClr>
+              <a:buFont typeface="Arial"/>
+              <a:defRPr sz="1400" b="0" i="0" u="none" strike="noStrike" cap="none">
+                <a:solidFill>
+                  <a:srgbClr val="000000"/>
+                </a:solidFill>
+                <a:latin typeface="Arial"/>
+                <a:ea typeface="Arial"/>
+                <a:cs typeface="Arial"/>
+                <a:sym typeface="Arial"/>
+              </a:defRPr>
+            </a:lvl2pPr>
+            <a:lvl3pPr marR="0" lvl="2" algn="l" rtl="0">
+              <a:lnSpc>
+                <a:spcPct val="100000"/>
+              </a:lnSpc>
+              <a:spcBef>
+                <a:spcPts val="0"/>
+              </a:spcBef>
+              <a:spcAft>
+                <a:spcPts val="0"/>
+              </a:spcAft>
+              <a:buClr>
+                <a:srgbClr val="000000"/>
+              </a:buClr>
+              <a:buFont typeface="Arial"/>
+              <a:defRPr sz="1400" b="0" i="0" u="none" strike="noStrike" cap="none">
+                <a:solidFill>
+                  <a:srgbClr val="000000"/>
+                </a:solidFill>
+                <a:latin typeface="Arial"/>
+                <a:ea typeface="Arial"/>
+                <a:cs typeface="Arial"/>
+                <a:sym typeface="Arial"/>
+              </a:defRPr>
+            </a:lvl3pPr>
+            <a:lvl4pPr marR="0" lvl="3" algn="l" rtl="0">
+              <a:lnSpc>
+                <a:spcPct val="100000"/>
+              </a:lnSpc>
+              <a:spcBef>
+                <a:spcPts val="0"/>
+              </a:spcBef>
+              <a:spcAft>
+                <a:spcPts val="0"/>
+              </a:spcAft>
+              <a:buClr>
+                <a:srgbClr val="000000"/>
+              </a:buClr>
+              <a:buFont typeface="Arial"/>
+              <a:defRPr sz="1400" b="0" i="0" u="none" strike="noStrike" cap="none">
+                <a:solidFill>
+                  <a:srgbClr val="000000"/>
+                </a:solidFill>
+                <a:latin typeface="Arial"/>
+                <a:ea typeface="Arial"/>
+                <a:cs typeface="Arial"/>
+                <a:sym typeface="Arial"/>
+              </a:defRPr>
+            </a:lvl4pPr>
+            <a:lvl5pPr marR="0" lvl="4" algn="l" rtl="0">
+              <a:lnSpc>
+                <a:spcPct val="100000"/>
+              </a:lnSpc>
+              <a:spcBef>
+                <a:spcPts val="0"/>
+              </a:spcBef>
+              <a:spcAft>
+                <a:spcPts val="0"/>
+              </a:spcAft>
+              <a:buClr>
+                <a:srgbClr val="000000"/>
+              </a:buClr>
+              <a:buFont typeface="Arial"/>
+              <a:defRPr sz="1400" b="0" i="0" u="none" strike="noStrike" cap="none">
+                <a:solidFill>
+                  <a:srgbClr val="000000"/>
+                </a:solidFill>
+                <a:latin typeface="Arial"/>
+                <a:ea typeface="Arial"/>
+                <a:cs typeface="Arial"/>
+                <a:sym typeface="Arial"/>
+              </a:defRPr>
+            </a:lvl5pPr>
+            <a:lvl6pPr marR="0" lvl="5" algn="l" rtl="0">
+              <a:lnSpc>
+                <a:spcPct val="100000"/>
+              </a:lnSpc>
+              <a:spcBef>
+                <a:spcPts val="0"/>
+              </a:spcBef>
+              <a:spcAft>
+                <a:spcPts val="0"/>
+              </a:spcAft>
+              <a:buClr>
+                <a:srgbClr val="000000"/>
+              </a:buClr>
+              <a:buFont typeface="Arial"/>
+              <a:defRPr sz="1400" b="0" i="0" u="none" strike="noStrike" cap="none">
+                <a:solidFill>
+                  <a:srgbClr val="000000"/>
+                </a:solidFill>
+                <a:latin typeface="Arial"/>
+                <a:ea typeface="Arial"/>
+                <a:cs typeface="Arial"/>
+                <a:sym typeface="Arial"/>
+              </a:defRPr>
+            </a:lvl6pPr>
+            <a:lvl7pPr marR="0" lvl="6" algn="l" rtl="0">
+              <a:lnSpc>
+                <a:spcPct val="100000"/>
+              </a:lnSpc>
+              <a:spcBef>
+                <a:spcPts val="0"/>
+              </a:spcBef>
+              <a:spcAft>
+                <a:spcPts val="0"/>
+              </a:spcAft>
+              <a:buClr>
+                <a:srgbClr val="000000"/>
+              </a:buClr>
+              <a:buFont typeface="Arial"/>
+              <a:defRPr sz="1400" b="0" i="0" u="none" strike="noStrike" cap="none">
+                <a:solidFill>
+                  <a:srgbClr val="000000"/>
+                </a:solidFill>
+                <a:latin typeface="Arial"/>
+                <a:ea typeface="Arial"/>
+                <a:cs typeface="Arial"/>
+                <a:sym typeface="Arial"/>
+              </a:defRPr>
+            </a:lvl7pPr>
+            <a:lvl8pPr marR="0" lvl="7" algn="l" rtl="0">
+              <a:lnSpc>
+                <a:spcPct val="100000"/>
+              </a:lnSpc>
+              <a:spcBef>
+                <a:spcPts val="0"/>
+              </a:spcBef>
+              <a:spcAft>
+                <a:spcPts val="0"/>
+              </a:spcAft>
+              <a:buClr>
+                <a:srgbClr val="000000"/>
+              </a:buClr>
+              <a:buFont typeface="Arial"/>
+              <a:defRPr sz="1400" b="0" i="0" u="none" strike="noStrike" cap="none">
+                <a:solidFill>
+                  <a:srgbClr val="000000"/>
+                </a:solidFill>
+                <a:latin typeface="Arial"/>
+                <a:ea typeface="Arial"/>
+                <a:cs typeface="Arial"/>
+                <a:sym typeface="Arial"/>
+              </a:defRPr>
+            </a:lvl8pPr>
+            <a:lvl9pPr marR="0" lvl="8" algn="l" rtl="0">
+              <a:lnSpc>
+                <a:spcPct val="100000"/>
+              </a:lnSpc>
+              <a:spcBef>
+                <a:spcPts val="0"/>
+              </a:spcBef>
+              <a:spcAft>
+                <a:spcPts val="0"/>
+              </a:spcAft>
+              <a:buClr>
+                <a:srgbClr val="000000"/>
+              </a:buClr>
+              <a:buFont typeface="Arial"/>
+              <a:defRPr sz="1400" b="0" i="0" u="none" strike="noStrike" cap="none">
+                <a:solidFill>
+                  <a:srgbClr val="000000"/>
+                </a:solidFill>
+                <a:latin typeface="Arial"/>
+                <a:ea typeface="Arial"/>
+                <a:cs typeface="Arial"/>
+                <a:sym typeface="Arial"/>
+              </a:defRPr>
+            </a:lvl9pPr>
+          </a:lstStyle>
+          <a:p>
+            <a:r>
+              <a:rPr lang="en-US" sz="2400" b="1" dirty="0" smtClean="0">
+                <a:solidFill>
+                  <a:schemeClr val="tx1">
+                    <a:lumMod val="75000"/>
+                    <a:lumOff val="25000"/>
+                  </a:schemeClr>
+                </a:solidFill>
+              </a:rPr>
+              <a:t>Production model parameters:</a:t>
+            </a:r>
+            <a:endParaRPr lang="en-US" sz="3200" b="1" dirty="0">
+              <a:solidFill>
+                <a:schemeClr val="tx1">
+                  <a:lumMod val="75000"/>
+                  <a:lumOff val="25000"/>
+                </a:schemeClr>
+              </a:solidFill>
+            </a:endParaRPr>
+          </a:p>
+        </p:txBody>
+      </p:sp>
+      <p:sp>
+        <p:nvSpPr>
+          <p:cNvPr id="7" name="Text Placeholder 2"/>
+          <p:cNvSpPr>
+            <a:spLocks noGrp="1"/>
+          </p:cNvSpPr>
+          <p:nvPr>
+            <p:ph type="body" idx="1"/>
+          </p:nvPr>
+        </p:nvSpPr>
+        <p:spPr>
+          <a:xfrm>
+            <a:off x="623400" y="1294152"/>
+            <a:ext cx="8162449" cy="2054690"/>
+          </a:xfrm>
+          <a:solidFill>
+            <a:schemeClr val="bg1">
+              <a:lumMod val="95000"/>
+            </a:schemeClr>
+          </a:solidFill>
+        </p:spPr>
+        <p:txBody>
+          <a:bodyPr/>
+          <a:lstStyle/>
+          <a:p>
+            <a:pPr marL="514350" indent="-285750">
+              <a:lnSpc>
+                <a:spcPct val="100000"/>
+              </a:lnSpc>
+              <a:spcAft>
+                <a:spcPts val="600"/>
+              </a:spcAft>
+              <a:buFont typeface="Arial" charset="0"/>
+              <a:buChar char="•"/>
+            </a:pPr>
+            <a:r>
+              <a:rPr lang="en-US" dirty="0" smtClean="0"/>
+              <a:t>Trained/predict using title and post lengths</a:t>
+            </a:r>
+          </a:p>
+          <a:p>
+            <a:pPr marL="514350" indent="-285750">
+              <a:lnSpc>
+                <a:spcPct val="100000"/>
+              </a:lnSpc>
+              <a:spcAft>
+                <a:spcPts val="600"/>
+              </a:spcAft>
+              <a:buFont typeface="Arial" charset="0"/>
+              <a:buChar char="•"/>
+            </a:pPr>
+            <a:r>
+              <a:rPr lang="en-US" dirty="0" err="1" smtClean="0"/>
+              <a:t>CountVectorizer</a:t>
+            </a:r>
+            <a:r>
+              <a:rPr lang="en-US" dirty="0" smtClean="0"/>
+              <a:t>; </a:t>
+            </a:r>
+            <a:r>
+              <a:rPr lang="en-US" dirty="0" err="1" smtClean="0"/>
+              <a:t>max_df</a:t>
+            </a:r>
+            <a:r>
+              <a:rPr lang="en-US" dirty="0" smtClean="0"/>
+              <a:t> = 0.05, </a:t>
+            </a:r>
+            <a:r>
+              <a:rPr lang="en-US" dirty="0" err="1" smtClean="0"/>
+              <a:t>n_grams</a:t>
+            </a:r>
+            <a:r>
+              <a:rPr lang="en-US" dirty="0" smtClean="0"/>
+              <a:t> = (1, 3)</a:t>
+            </a:r>
+          </a:p>
+          <a:p>
+            <a:pPr marL="514350" indent="-285750">
+              <a:lnSpc>
+                <a:spcPct val="100000"/>
+              </a:lnSpc>
+              <a:spcAft>
+                <a:spcPts val="600"/>
+              </a:spcAft>
+              <a:buFont typeface="Arial" charset="0"/>
+              <a:buChar char="•"/>
+            </a:pPr>
+            <a:r>
+              <a:rPr lang="en-US" dirty="0" err="1" smtClean="0"/>
+              <a:t>Normalising</a:t>
+            </a:r>
+            <a:r>
+              <a:rPr lang="en-US" dirty="0" smtClean="0"/>
+              <a:t> post lengths with </a:t>
+            </a:r>
+            <a:r>
+              <a:rPr lang="en-US" dirty="0" err="1" smtClean="0"/>
+              <a:t>RobustScaler</a:t>
+            </a:r>
+            <a:endParaRPr lang="en-US" dirty="0" smtClean="0"/>
+          </a:p>
+          <a:p>
+            <a:pPr marL="514350" indent="-285750">
+              <a:lnSpc>
+                <a:spcPct val="100000"/>
+              </a:lnSpc>
+              <a:spcAft>
+                <a:spcPts val="600"/>
+              </a:spcAft>
+              <a:buFont typeface="Arial" charset="0"/>
+              <a:buChar char="•"/>
+            </a:pPr>
+            <a:r>
+              <a:rPr lang="en-US" dirty="0" smtClean="0"/>
+              <a:t>Multinomial naïve Bayes model</a:t>
+            </a:r>
+            <a:endParaRPr lang="en-US" dirty="0"/>
+          </a:p>
+          <a:p>
+            <a:pPr>
+              <a:lnSpc>
+                <a:spcPct val="100000"/>
+              </a:lnSpc>
+              <a:spcAft>
+                <a:spcPts val="600"/>
+              </a:spcAft>
+            </a:pPr>
+            <a:endParaRPr lang="en-US" dirty="0"/>
+          </a:p>
+        </p:txBody>
+      </p:sp>
+    </p:spTree>
+    <p:extLst>
+      <p:ext uri="{BB962C8B-B14F-4D97-AF65-F5344CB8AC3E}">
+        <p14:creationId xmlns:p14="http://schemas.microsoft.com/office/powerpoint/2010/main" val="276057138"/>
+      </p:ext>
+    </p:extLst>
+  </p:cSld>
+  <p:clrMapOvr>
+    <a:masterClrMapping/>
+  </p:clrMapOvr>
+</p:sld>
+</file>
+
+<file path=ppt/slides/slide13.xml><?xml version="1.0" encoding="utf-8"?>
+<p:sld xmlns:a="http://schemas.openxmlformats.org/drawingml/2006/main" xmlns:r="http://schemas.openxmlformats.org/officeDocument/2006/relationships" xmlns:p="http://schemas.openxmlformats.org/presentationml/2006/main">
+  <p:cSld>
+    <p:spTree>
+      <p:nvGrpSpPr>
+        <p:cNvPr id="1" name=""/>
+        <p:cNvGrpSpPr/>
+        <p:nvPr/>
+      </p:nvGrpSpPr>
+      <p:grpSpPr>
+        <a:xfrm>
+          <a:off x="0" y="0"/>
+          <a:ext cx="0" cy="0"/>
+          <a:chOff x="0" y="0"/>
+          <a:chExt cx="0" cy="0"/>
+        </a:xfrm>
+      </p:grpSpPr>
+      <p:sp>
+        <p:nvSpPr>
+          <p:cNvPr id="4" name="Slide Number Placeholder 3"/>
+          <p:cNvSpPr>
+            <a:spLocks noGrp="1"/>
+          </p:cNvSpPr>
+          <p:nvPr>
+            <p:ph type="sldNum" idx="12"/>
+          </p:nvPr>
+        </p:nvSpPr>
+        <p:spPr/>
+        <p:txBody>
+          <a:bodyPr/>
+          <a:lstStyle/>
+          <a:p>
+            <a:pPr marL="0" lvl="0" indent="0" algn="r" rtl="0">
+              <a:spcBef>
+                <a:spcPts val="0"/>
+              </a:spcBef>
+              <a:spcAft>
+                <a:spcPts val="0"/>
+              </a:spcAft>
+              <a:buNone/>
+            </a:pPr>
+            <a:fld id="{00000000-1234-1234-1234-123412341234}" type="slidenum">
+              <a:rPr lang="en-GB" smtClean="0"/>
+              <a:t>13</a:t>
+            </a:fld>
+            <a:endParaRPr lang="en-GB"/>
+          </a:p>
+        </p:txBody>
+      </p:sp>
       <p:pic>
         <p:nvPicPr>
-          <p:cNvPr id="9" name="Picture 8"/>
+          <p:cNvPr id="5" name="Picture 4"/>
+          <p:cNvPicPr>
+            <a:picLocks noChangeAspect="1"/>
+          </p:cNvPicPr>
+          <p:nvPr/>
+        </p:nvPicPr>
+        <p:blipFill rotWithShape="1">
+          <a:blip r:embed="rId3">
+            <a:extLst>
+              <a:ext uri="{28A0092B-C50C-407E-A947-70E740481C1C}">
+                <a14:useLocalDpi xmlns:a14="http://schemas.microsoft.com/office/drawing/2010/main" val="0"/>
+              </a:ext>
+            </a:extLst>
+          </a:blip>
+          <a:srcRect t="10989"/>
+          <a:stretch/>
+        </p:blipFill>
+        <p:spPr>
+          <a:xfrm>
+            <a:off x="6108484" y="2956956"/>
+            <a:ext cx="3102731" cy="2234959"/>
+          </a:xfrm>
+          <a:prstGeom prst="rect">
+            <a:avLst/>
+          </a:prstGeom>
+        </p:spPr>
+      </p:pic>
+      <p:pic>
+        <p:nvPicPr>
+          <p:cNvPr id="6" name="Picture 5"/>
           <p:cNvPicPr>
             <a:picLocks noChangeAspect="1"/>
           </p:cNvPicPr>
@@ -6963,8 +8164,553 @@
         </p:blipFill>
         <p:spPr>
           <a:xfrm>
-            <a:off x="-2539026" y="646437"/>
-            <a:ext cx="2420394" cy="1925313"/>
+            <a:off x="118754" y="1210788"/>
+            <a:ext cx="6108484" cy="2467827"/>
+          </a:xfrm>
+          <a:prstGeom prst="rect">
+            <a:avLst/>
+          </a:prstGeom>
+        </p:spPr>
+      </p:pic>
+      <p:sp>
+        <p:nvSpPr>
+          <p:cNvPr id="7" name="TextBox 6"/>
+          <p:cNvSpPr txBox="1"/>
+          <p:nvPr/>
+        </p:nvSpPr>
+        <p:spPr>
+          <a:xfrm>
+            <a:off x="1162215" y="810426"/>
+            <a:ext cx="1105972" cy="276999"/>
+          </a:xfrm>
+          <a:prstGeom prst="rect">
+            <a:avLst/>
+          </a:prstGeom>
+          <a:solidFill>
+            <a:schemeClr val="bg2">
+              <a:lumMod val="40000"/>
+              <a:lumOff val="60000"/>
+            </a:schemeClr>
+          </a:solidFill>
+        </p:spPr>
+        <p:txBody>
+          <a:bodyPr wrap="square" rtlCol="0">
+            <a:spAutoFit/>
+          </a:bodyPr>
+          <a:lstStyle/>
+          <a:p>
+            <a:pPr algn="ctr"/>
+            <a:r>
+              <a:rPr lang="en-US" sz="1200" b="1" smtClean="0"/>
+              <a:t>r/Singapore</a:t>
+            </a:r>
+            <a:endParaRPr lang="en-US" sz="1200" b="1" dirty="0"/>
+          </a:p>
+        </p:txBody>
+      </p:sp>
+      <p:sp>
+        <p:nvSpPr>
+          <p:cNvPr id="8" name="TextBox 7"/>
+          <p:cNvSpPr txBox="1"/>
+          <p:nvPr/>
+        </p:nvSpPr>
+        <p:spPr>
+          <a:xfrm>
+            <a:off x="4209210" y="804618"/>
+            <a:ext cx="1205938" cy="276999"/>
+          </a:xfrm>
+          <a:prstGeom prst="rect">
+            <a:avLst/>
+          </a:prstGeom>
+          <a:solidFill>
+            <a:schemeClr val="bg2">
+              <a:lumMod val="40000"/>
+              <a:lumOff val="60000"/>
+            </a:schemeClr>
+          </a:solidFill>
+        </p:spPr>
+        <p:txBody>
+          <a:bodyPr wrap="square" rtlCol="0">
+            <a:spAutoFit/>
+          </a:bodyPr>
+          <a:lstStyle/>
+          <a:p>
+            <a:pPr algn="ctr"/>
+            <a:r>
+              <a:rPr lang="en-US" sz="1200" b="1" smtClean="0"/>
+              <a:t>r/Malaysia</a:t>
+            </a:r>
+            <a:endParaRPr lang="en-US" sz="1200" b="1" dirty="0"/>
+          </a:p>
+        </p:txBody>
+      </p:sp>
+      <p:sp>
+        <p:nvSpPr>
+          <p:cNvPr id="9" name="Google Shape;66;p15"/>
+          <p:cNvSpPr txBox="1">
+            <a:spLocks noGrp="1"/>
+          </p:cNvSpPr>
+          <p:nvPr>
+            <p:ph type="title"/>
+          </p:nvPr>
+        </p:nvSpPr>
+        <p:spPr>
+          <a:xfrm>
+            <a:off x="114395" y="197577"/>
+            <a:ext cx="5407324" cy="498626"/>
+          </a:xfrm>
+          <a:prstGeom prst="rect">
+            <a:avLst/>
+          </a:prstGeom>
+        </p:spPr>
+        <p:txBody>
+          <a:bodyPr spcFirstLastPara="1" wrap="square" lIns="91425" tIns="91425" rIns="91425" bIns="91425" anchor="t" anchorCtr="0">
+            <a:noAutofit/>
+          </a:bodyPr>
+          <a:lstStyle/>
+          <a:p>
+            <a:pPr lvl="0"/>
+            <a:r>
+              <a:rPr lang="en-GB" sz="1600" b="1" dirty="0" smtClean="0">
+                <a:solidFill>
+                  <a:schemeClr val="tx1">
+                    <a:lumMod val="75000"/>
+                    <a:lumOff val="25000"/>
+                  </a:schemeClr>
+                </a:solidFill>
+              </a:rPr>
+              <a:t>High overlap in words used for prediction</a:t>
+            </a:r>
+            <a:endParaRPr lang="en-GB" sz="1600" b="1" dirty="0">
+              <a:solidFill>
+                <a:schemeClr val="tx1">
+                  <a:lumMod val="75000"/>
+                  <a:lumOff val="25000"/>
+                </a:schemeClr>
+              </a:solidFill>
+            </a:endParaRPr>
+          </a:p>
+        </p:txBody>
+      </p:sp>
+    </p:spTree>
+    <p:extLst>
+      <p:ext uri="{BB962C8B-B14F-4D97-AF65-F5344CB8AC3E}">
+        <p14:creationId xmlns:p14="http://schemas.microsoft.com/office/powerpoint/2010/main" val="1620534599"/>
+      </p:ext>
+    </p:extLst>
+  </p:cSld>
+  <p:clrMapOvr>
+    <a:masterClrMapping/>
+  </p:clrMapOvr>
+</p:sld>
+</file>
+
+<file path=ppt/slides/slide14.xml><?xml version="1.0" encoding="utf-8"?>
+<p:sld xmlns:a="http://schemas.openxmlformats.org/drawingml/2006/main" xmlns:r="http://schemas.openxmlformats.org/officeDocument/2006/relationships" xmlns:p="http://schemas.openxmlformats.org/presentationml/2006/main">
+  <p:cSld>
+    <p:spTree>
+      <p:nvGrpSpPr>
+        <p:cNvPr id="1" name=""/>
+        <p:cNvGrpSpPr/>
+        <p:nvPr/>
+      </p:nvGrpSpPr>
+      <p:grpSpPr>
+        <a:xfrm>
+          <a:off x="0" y="0"/>
+          <a:ext cx="0" cy="0"/>
+          <a:chOff x="0" y="0"/>
+          <a:chExt cx="0" cy="0"/>
+        </a:xfrm>
+      </p:grpSpPr>
+      <p:sp>
+        <p:nvSpPr>
+          <p:cNvPr id="2" name="Title 1"/>
+          <p:cNvSpPr>
+            <a:spLocks noGrp="1"/>
+          </p:cNvSpPr>
+          <p:nvPr>
+            <p:ph type="title"/>
+          </p:nvPr>
+        </p:nvSpPr>
+        <p:spPr>
+          <a:xfrm>
+            <a:off x="311700" y="579775"/>
+            <a:ext cx="8520600" cy="572700"/>
+          </a:xfrm>
+        </p:spPr>
+        <p:txBody>
+          <a:bodyPr/>
+          <a:lstStyle/>
+          <a:p>
+            <a:r>
+              <a:rPr lang="en-US" sz="2400" b="1" dirty="0" smtClean="0">
+                <a:solidFill>
+                  <a:schemeClr val="tx1">
+                    <a:lumMod val="75000"/>
+                    <a:lumOff val="25000"/>
+                  </a:schemeClr>
+                </a:solidFill>
+              </a:rPr>
+              <a:t>Conclusion and recommendations</a:t>
+            </a:r>
+            <a:endParaRPr lang="en-US" sz="3200" b="1" dirty="0">
+              <a:solidFill>
+                <a:schemeClr val="tx1">
+                  <a:lumMod val="75000"/>
+                  <a:lumOff val="25000"/>
+                </a:schemeClr>
+              </a:solidFill>
+            </a:endParaRPr>
+          </a:p>
+        </p:txBody>
+      </p:sp>
+      <p:sp>
+        <p:nvSpPr>
+          <p:cNvPr id="3" name="Text Placeholder 2"/>
+          <p:cNvSpPr>
+            <a:spLocks noGrp="1"/>
+          </p:cNvSpPr>
+          <p:nvPr>
+            <p:ph type="body" idx="1"/>
+          </p:nvPr>
+        </p:nvSpPr>
+        <p:spPr>
+          <a:xfrm>
+            <a:off x="311700" y="1152475"/>
+            <a:ext cx="8350815" cy="3416400"/>
+          </a:xfrm>
+          <a:solidFill>
+            <a:schemeClr val="bg1">
+              <a:lumMod val="95000"/>
+            </a:schemeClr>
+          </a:solidFill>
+        </p:spPr>
+        <p:txBody>
+          <a:bodyPr/>
+          <a:lstStyle/>
+          <a:p>
+            <a:pPr>
+              <a:lnSpc>
+                <a:spcPct val="150000"/>
+              </a:lnSpc>
+              <a:buFont typeface="Wingdings" charset="2"/>
+              <a:buChar char="§"/>
+            </a:pPr>
+            <a:r>
+              <a:rPr lang="en-US" sz="1600" dirty="0" smtClean="0"/>
+              <a:t>The accuracy of the production model shows that posts in r/Malaysia and r/Singapore are fairly different, but still have a good amount of similarities</a:t>
+            </a:r>
+          </a:p>
+          <a:p>
+            <a:pPr>
+              <a:lnSpc>
+                <a:spcPct val="150000"/>
+              </a:lnSpc>
+              <a:buFont typeface="Wingdings" charset="2"/>
+              <a:buChar char="§"/>
+            </a:pPr>
+            <a:r>
+              <a:rPr lang="en-US" sz="1600" dirty="0" smtClean="0"/>
+              <a:t>The differences are mainly due to differences in current affairs in Singapore and Malaysia</a:t>
+            </a:r>
+          </a:p>
+          <a:p>
+            <a:pPr lvl="1">
+              <a:lnSpc>
+                <a:spcPct val="150000"/>
+              </a:lnSpc>
+              <a:spcBef>
+                <a:spcPts val="0"/>
+              </a:spcBef>
+              <a:buFont typeface="Wingdings" charset="2"/>
+              <a:buChar char="§"/>
+            </a:pPr>
+            <a:r>
+              <a:rPr lang="en-US" sz="1600" dirty="0" smtClean="0"/>
+              <a:t>It would not be enough to train the model from past </a:t>
+            </a:r>
+            <a:r>
+              <a:rPr lang="en-US" sz="1600" dirty="0" err="1" smtClean="0"/>
+              <a:t>subreddit</a:t>
+            </a:r>
+            <a:r>
+              <a:rPr lang="en-US" sz="1600" dirty="0" smtClean="0"/>
+              <a:t> posts</a:t>
+            </a:r>
+          </a:p>
+          <a:p>
+            <a:pPr lvl="1">
+              <a:lnSpc>
+                <a:spcPct val="150000"/>
+              </a:lnSpc>
+              <a:spcBef>
+                <a:spcPts val="0"/>
+              </a:spcBef>
+              <a:buFont typeface="Wingdings" charset="2"/>
+              <a:buChar char="§"/>
+            </a:pPr>
+            <a:r>
+              <a:rPr lang="en-US" sz="1600" dirty="0" smtClean="0"/>
+              <a:t>To improve the model: using a bigger training corpus such as </a:t>
+            </a:r>
+            <a:r>
+              <a:rPr lang="en-US" sz="1600" dirty="0"/>
+              <a:t>E</a:t>
+            </a:r>
+            <a:r>
+              <a:rPr lang="en-US" sz="1600" dirty="0" smtClean="0"/>
+              <a:t>nglish news sites, which would contain more keywords on current affair issues</a:t>
+            </a:r>
+            <a:endParaRPr lang="en-US" sz="1600" dirty="0"/>
+          </a:p>
+          <a:p>
+            <a:pPr>
+              <a:lnSpc>
+                <a:spcPct val="150000"/>
+              </a:lnSpc>
+              <a:buFont typeface="Wingdings" charset="2"/>
+              <a:buChar char="§"/>
+            </a:pPr>
+            <a:r>
+              <a:rPr lang="en-US" sz="1600" dirty="0" smtClean="0"/>
+              <a:t>Further applications for such a classification model: automating CRM tasks based on topic matching, recommending </a:t>
+            </a:r>
+            <a:r>
+              <a:rPr lang="en-US" sz="1600" dirty="0"/>
+              <a:t>similar articles to readers, </a:t>
+            </a:r>
+            <a:r>
+              <a:rPr lang="en-US" sz="1600" dirty="0" smtClean="0"/>
+              <a:t>spam </a:t>
+            </a:r>
+            <a:r>
+              <a:rPr lang="en-US" sz="1600" dirty="0"/>
+              <a:t>email </a:t>
+            </a:r>
+            <a:r>
+              <a:rPr lang="en-US" sz="1600" dirty="0" smtClean="0"/>
+              <a:t>filtering</a:t>
+            </a:r>
+          </a:p>
+        </p:txBody>
+      </p:sp>
+      <p:sp>
+        <p:nvSpPr>
+          <p:cNvPr id="4" name="Slide Number Placeholder 3"/>
+          <p:cNvSpPr>
+            <a:spLocks noGrp="1"/>
+          </p:cNvSpPr>
+          <p:nvPr>
+            <p:ph type="sldNum" idx="12"/>
+          </p:nvPr>
+        </p:nvSpPr>
+        <p:spPr/>
+        <p:txBody>
+          <a:bodyPr/>
+          <a:lstStyle/>
+          <a:p>
+            <a:pPr marL="0" lvl="0" indent="0" algn="r" rtl="0">
+              <a:spcBef>
+                <a:spcPts val="0"/>
+              </a:spcBef>
+              <a:spcAft>
+                <a:spcPts val="0"/>
+              </a:spcAft>
+              <a:buNone/>
+            </a:pPr>
+            <a:fld id="{00000000-1234-1234-1234-123412341234}" type="slidenum">
+              <a:rPr lang="en-GB" smtClean="0"/>
+              <a:t>14</a:t>
+            </a:fld>
+            <a:endParaRPr lang="en-GB"/>
+          </a:p>
+        </p:txBody>
+      </p:sp>
+    </p:spTree>
+    <p:extLst>
+      <p:ext uri="{BB962C8B-B14F-4D97-AF65-F5344CB8AC3E}">
+        <p14:creationId xmlns:p14="http://schemas.microsoft.com/office/powerpoint/2010/main" val="1563812771"/>
+      </p:ext>
+    </p:extLst>
+  </p:cSld>
+  <p:clrMapOvr>
+    <a:masterClrMapping/>
+  </p:clrMapOvr>
+  <p:timing>
+    <p:tnLst>
+      <p:par>
+        <p:cTn id="1" dur="indefinite" restart="never" nodeType="tmRoot"/>
+      </p:par>
+    </p:tnLst>
+  </p:timing>
+</p:sld>
+</file>
+
+<file path=ppt/slides/slide15.xml><?xml version="1.0" encoding="utf-8"?>
+<p:sld xmlns:a="http://schemas.openxmlformats.org/drawingml/2006/main" xmlns:r="http://schemas.openxmlformats.org/officeDocument/2006/relationships" xmlns:p="http://schemas.openxmlformats.org/presentationml/2006/main">
+  <p:cSld>
+    <p:spTree>
+      <p:nvGrpSpPr>
+        <p:cNvPr id="1" name=""/>
+        <p:cNvGrpSpPr/>
+        <p:nvPr/>
+      </p:nvGrpSpPr>
+      <p:grpSpPr>
+        <a:xfrm>
+          <a:off x="0" y="0"/>
+          <a:ext cx="0" cy="0"/>
+          <a:chOff x="0" y="0"/>
+          <a:chExt cx="0" cy="0"/>
+        </a:xfrm>
+      </p:grpSpPr>
+      <p:sp>
+        <p:nvSpPr>
+          <p:cNvPr id="2" name="Text Placeholder 1"/>
+          <p:cNvSpPr>
+            <a:spLocks noGrp="1"/>
+          </p:cNvSpPr>
+          <p:nvPr>
+            <p:ph type="body" idx="1"/>
+          </p:nvPr>
+        </p:nvSpPr>
+        <p:spPr/>
+        <p:txBody>
+          <a:bodyPr/>
+          <a:lstStyle/>
+          <a:p>
+            <a:r>
+              <a:rPr lang="en-US" dirty="0" smtClean="0"/>
+              <a:t>Extra slides</a:t>
+            </a:r>
+            <a:endParaRPr lang="en-US" dirty="0"/>
+          </a:p>
+        </p:txBody>
+      </p:sp>
+      <p:sp>
+        <p:nvSpPr>
+          <p:cNvPr id="3" name="Slide Number Placeholder 2"/>
+          <p:cNvSpPr>
+            <a:spLocks noGrp="1"/>
+          </p:cNvSpPr>
+          <p:nvPr>
+            <p:ph type="sldNum" idx="12"/>
+          </p:nvPr>
+        </p:nvSpPr>
+        <p:spPr/>
+        <p:txBody>
+          <a:bodyPr/>
+          <a:lstStyle/>
+          <a:p>
+            <a:pPr marL="0" lvl="0" indent="0" algn="r" rtl="0">
+              <a:spcBef>
+                <a:spcPts val="0"/>
+              </a:spcBef>
+              <a:spcAft>
+                <a:spcPts val="0"/>
+              </a:spcAft>
+              <a:buNone/>
+            </a:pPr>
+            <a:fld id="{00000000-1234-1234-1234-123412341234}" type="slidenum">
+              <a:rPr lang="en-GB" smtClean="0"/>
+              <a:t>15</a:t>
+            </a:fld>
+            <a:endParaRPr lang="en-GB"/>
+          </a:p>
+        </p:txBody>
+      </p:sp>
+    </p:spTree>
+    <p:extLst>
+      <p:ext uri="{BB962C8B-B14F-4D97-AF65-F5344CB8AC3E}">
+        <p14:creationId xmlns:p14="http://schemas.microsoft.com/office/powerpoint/2010/main" val="398501268"/>
+      </p:ext>
+    </p:extLst>
+  </p:cSld>
+  <p:clrMapOvr>
+    <a:masterClrMapping/>
+  </p:clrMapOvr>
+  <p:timing>
+    <p:tnLst>
+      <p:par>
+        <p:cTn id="1" dur="indefinite" restart="never" nodeType="tmRoot"/>
+      </p:par>
+    </p:tnLst>
+  </p:timing>
+</p:sld>
+</file>
+
+<file path=ppt/slides/slide16.xml><?xml version="1.0" encoding="utf-8"?>
+<p:sld xmlns:a="http://schemas.openxmlformats.org/drawingml/2006/main" xmlns:r="http://schemas.openxmlformats.org/officeDocument/2006/relationships" xmlns:p="http://schemas.openxmlformats.org/presentationml/2006/main">
+  <p:cSld>
+    <p:spTree>
+      <p:nvGrpSpPr>
+        <p:cNvPr id="1" name=""/>
+        <p:cNvGrpSpPr/>
+        <p:nvPr/>
+      </p:nvGrpSpPr>
+      <p:grpSpPr>
+        <a:xfrm>
+          <a:off x="0" y="0"/>
+          <a:ext cx="0" cy="0"/>
+          <a:chOff x="0" y="0"/>
+          <a:chExt cx="0" cy="0"/>
+        </a:xfrm>
+      </p:grpSpPr>
+      <p:sp>
+        <p:nvSpPr>
+          <p:cNvPr id="3" name="Slide Number Placeholder 2"/>
+          <p:cNvSpPr>
+            <a:spLocks noGrp="1"/>
+          </p:cNvSpPr>
+          <p:nvPr>
+            <p:ph type="sldNum" idx="12"/>
+          </p:nvPr>
+        </p:nvSpPr>
+        <p:spPr/>
+        <p:txBody>
+          <a:bodyPr/>
+          <a:lstStyle/>
+          <a:p>
+            <a:pPr marL="0" lvl="0" indent="0" algn="r" rtl="0">
+              <a:spcBef>
+                <a:spcPts val="0"/>
+              </a:spcBef>
+              <a:spcAft>
+                <a:spcPts val="0"/>
+              </a:spcAft>
+              <a:buNone/>
+            </a:pPr>
+            <a:fld id="{00000000-1234-1234-1234-123412341234}" type="slidenum">
+              <a:rPr lang="en-GB" smtClean="0"/>
+              <a:t>16</a:t>
+            </a:fld>
+            <a:endParaRPr lang="en-GB"/>
+          </a:p>
+        </p:txBody>
+      </p:sp>
+      <p:pic>
+        <p:nvPicPr>
+          <p:cNvPr id="5" name="Picture 4"/>
+          <p:cNvPicPr>
+            <a:picLocks noChangeAspect="1"/>
+          </p:cNvPicPr>
+          <p:nvPr/>
+        </p:nvPicPr>
+        <p:blipFill>
+          <a:blip r:embed="rId2">
+            <a:extLst>
+              <a:ext uri="{28A0092B-C50C-407E-A947-70E740481C1C}">
+                <a14:useLocalDpi xmlns:a14="http://schemas.microsoft.com/office/drawing/2010/main" val="0"/>
+              </a:ext>
+            </a:extLst>
+          </a:blip>
+          <a:stretch>
+            <a:fillRect/>
+          </a:stretch>
+        </p:blipFill>
+        <p:spPr>
+          <a:xfrm>
+            <a:off x="338323" y="710234"/>
+            <a:ext cx="8408485" cy="3676569"/>
           </a:xfrm>
           <a:prstGeom prst="rect">
             <a:avLst/>
@@ -6974,17 +8720,24 @@
     </p:spTree>
     <p:extLst>
       <p:ext uri="{BB962C8B-B14F-4D97-AF65-F5344CB8AC3E}">
-        <p14:creationId xmlns:p14="http://schemas.microsoft.com/office/powerpoint/2010/main" val="1193074206"/>
+        <p14:creationId xmlns:p14="http://schemas.microsoft.com/office/powerpoint/2010/main" val="2129404439"/>
       </p:ext>
     </p:extLst>
   </p:cSld>
   <p:clrMapOvr>
     <a:masterClrMapping/>
   </p:clrMapOvr>
+  <p:timing>
+    <p:tnLst>
+      <p:par>
+        <p:cTn id="1" dur="indefinite" restart="never" nodeType="tmRoot"/>
+      </p:par>
+    </p:tnLst>
+  </p:timing>
 </p:sld>
 </file>
 
-<file path=ppt/slides/slide11.xml><?xml version="1.0" encoding="utf-8"?>
+<file path=ppt/slides/slide17.xml><?xml version="1.0" encoding="utf-8"?>
 <p:sld xmlns:a="http://schemas.openxmlformats.org/drawingml/2006/main" xmlns:r="http://schemas.openxmlformats.org/officeDocument/2006/relationships" xmlns:p="http://schemas.openxmlformats.org/presentationml/2006/main">
   <p:cSld>
     <p:spTree>
@@ -7069,7 +8822,7 @@
             </a:pPr>
             <a:fld id="{00000000-1234-1234-1234-123412341234}" type="slidenum">
               <a:rPr lang="en-GB" smtClean="0"/>
-              <a:t>11</a:t>
+              <a:t>17</a:t>
             </a:fld>
             <a:endParaRPr lang="en-GB"/>
           </a:p>
@@ -8655,450 +10408,6 @@
     <p:extLst>
       <p:ext uri="{BB962C8B-B14F-4D97-AF65-F5344CB8AC3E}">
         <p14:creationId xmlns:p14="http://schemas.microsoft.com/office/powerpoint/2010/main" val="1613771244"/>
-      </p:ext>
-    </p:extLst>
-  </p:cSld>
-  <p:clrMapOvr>
-    <a:masterClrMapping/>
-  </p:clrMapOvr>
-  <p:timing>
-    <p:tnLst>
-      <p:par>
-        <p:cTn id="1" dur="indefinite" restart="never" nodeType="tmRoot"/>
-      </p:par>
-    </p:tnLst>
-  </p:timing>
-</p:sld>
-</file>
-
-<file path=ppt/slides/slide12.xml><?xml version="1.0" encoding="utf-8"?>
-<p:sld xmlns:a="http://schemas.openxmlformats.org/drawingml/2006/main" xmlns:r="http://schemas.openxmlformats.org/officeDocument/2006/relationships" xmlns:p="http://schemas.openxmlformats.org/presentationml/2006/main">
-  <p:cSld>
-    <p:spTree>
-      <p:nvGrpSpPr>
-        <p:cNvPr id="1" name=""/>
-        <p:cNvGrpSpPr/>
-        <p:nvPr/>
-      </p:nvGrpSpPr>
-      <p:grpSpPr>
-        <a:xfrm>
-          <a:off x="0" y="0"/>
-          <a:ext cx="0" cy="0"/>
-          <a:chOff x="0" y="0"/>
-          <a:chExt cx="0" cy="0"/>
-        </a:xfrm>
-      </p:grpSpPr>
-      <p:sp>
-        <p:nvSpPr>
-          <p:cNvPr id="2" name="Title 1"/>
-          <p:cNvSpPr>
-            <a:spLocks noGrp="1"/>
-          </p:cNvSpPr>
-          <p:nvPr>
-            <p:ph type="title"/>
-          </p:nvPr>
-        </p:nvSpPr>
-        <p:spPr>
-          <a:xfrm>
-            <a:off x="311700" y="579775"/>
-            <a:ext cx="8520600" cy="572700"/>
-          </a:xfrm>
-        </p:spPr>
-        <p:txBody>
-          <a:bodyPr/>
-          <a:lstStyle/>
-          <a:p>
-            <a:r>
-              <a:rPr lang="en-US" sz="2400" b="1" dirty="0" smtClean="0">
-                <a:solidFill>
-                  <a:schemeClr val="tx1">
-                    <a:lumMod val="75000"/>
-                    <a:lumOff val="25000"/>
-                  </a:schemeClr>
-                </a:solidFill>
-              </a:rPr>
-              <a:t>Conclusion and r</a:t>
-            </a:r>
-            <a:r>
-              <a:rPr lang="en-US" sz="2400" b="1" dirty="0" smtClean="0">
-                <a:solidFill>
-                  <a:schemeClr val="tx1">
-                    <a:lumMod val="75000"/>
-                    <a:lumOff val="25000"/>
-                  </a:schemeClr>
-                </a:solidFill>
-              </a:rPr>
-              <a:t>ecommendations</a:t>
-            </a:r>
-            <a:endParaRPr lang="en-US" sz="3200" b="1" dirty="0">
-              <a:solidFill>
-                <a:schemeClr val="tx1">
-                  <a:lumMod val="75000"/>
-                  <a:lumOff val="25000"/>
-                </a:schemeClr>
-              </a:solidFill>
-            </a:endParaRPr>
-          </a:p>
-        </p:txBody>
-      </p:sp>
-      <p:sp>
-        <p:nvSpPr>
-          <p:cNvPr id="3" name="Text Placeholder 2"/>
-          <p:cNvSpPr>
-            <a:spLocks noGrp="1"/>
-          </p:cNvSpPr>
-          <p:nvPr>
-            <p:ph type="body" idx="1"/>
-          </p:nvPr>
-        </p:nvSpPr>
-        <p:spPr>
-          <a:xfrm>
-            <a:off x="311700" y="1152475"/>
-            <a:ext cx="8350815" cy="3416400"/>
-          </a:xfrm>
-          <a:solidFill>
-            <a:schemeClr val="bg1">
-              <a:lumMod val="95000"/>
-            </a:schemeClr>
-          </a:solidFill>
-        </p:spPr>
-        <p:txBody>
-          <a:bodyPr/>
-          <a:lstStyle/>
-          <a:p>
-            <a:pPr>
-              <a:lnSpc>
-                <a:spcPct val="150000"/>
-              </a:lnSpc>
-              <a:buFont typeface="Wingdings" charset="2"/>
-              <a:buChar char="§"/>
-            </a:pPr>
-            <a:r>
-              <a:rPr lang="en-US" sz="1600" dirty="0" smtClean="0"/>
-              <a:t>The accuracy of the production model shows that posts in r/Malaysia and r/Singapore are fairly different, but still have a good amount of similarities</a:t>
-            </a:r>
-          </a:p>
-          <a:p>
-            <a:pPr>
-              <a:lnSpc>
-                <a:spcPct val="150000"/>
-              </a:lnSpc>
-              <a:buFont typeface="Wingdings" charset="2"/>
-              <a:buChar char="§"/>
-            </a:pPr>
-            <a:r>
-              <a:rPr lang="en-US" sz="1600" dirty="0" smtClean="0"/>
-              <a:t>The differences are mainly due to differences in current affairs in Singapore and Malaysia</a:t>
-            </a:r>
-          </a:p>
-          <a:p>
-            <a:pPr lvl="1">
-              <a:lnSpc>
-                <a:spcPct val="150000"/>
-              </a:lnSpc>
-              <a:spcBef>
-                <a:spcPts val="0"/>
-              </a:spcBef>
-              <a:buFont typeface="Wingdings" charset="2"/>
-              <a:buChar char="§"/>
-            </a:pPr>
-            <a:r>
-              <a:rPr lang="en-US" sz="1600" dirty="0" smtClean="0"/>
-              <a:t>It would not be enough to train the model from past </a:t>
-            </a:r>
-            <a:r>
-              <a:rPr lang="en-US" sz="1600" dirty="0" err="1" smtClean="0"/>
-              <a:t>subreddit</a:t>
-            </a:r>
-            <a:r>
-              <a:rPr lang="en-US" sz="1600" dirty="0" smtClean="0"/>
-              <a:t> posts</a:t>
-            </a:r>
-          </a:p>
-          <a:p>
-            <a:pPr lvl="1">
-              <a:lnSpc>
-                <a:spcPct val="150000"/>
-              </a:lnSpc>
-              <a:spcBef>
-                <a:spcPts val="0"/>
-              </a:spcBef>
-              <a:buFont typeface="Wingdings" charset="2"/>
-              <a:buChar char="§"/>
-            </a:pPr>
-            <a:r>
-              <a:rPr lang="en-US" sz="1600" dirty="0" smtClean="0"/>
-              <a:t>To improve the model: using a bigger training corpus such as </a:t>
-            </a:r>
-            <a:r>
-              <a:rPr lang="en-US" sz="1600" dirty="0"/>
-              <a:t>E</a:t>
-            </a:r>
-            <a:r>
-              <a:rPr lang="en-US" sz="1600" dirty="0" smtClean="0"/>
-              <a:t>nglish news sites, which would contain more keywords on current affair issues</a:t>
-            </a:r>
-            <a:endParaRPr lang="en-US" sz="1600" dirty="0"/>
-          </a:p>
-          <a:p>
-            <a:pPr>
-              <a:lnSpc>
-                <a:spcPct val="150000"/>
-              </a:lnSpc>
-              <a:buFont typeface="Wingdings" charset="2"/>
-              <a:buChar char="§"/>
-            </a:pPr>
-            <a:r>
-              <a:rPr lang="en-US" sz="1600" dirty="0" smtClean="0"/>
-              <a:t>Further applications for such a classification model: automating CRM tasks based on topic matching, recommending </a:t>
-            </a:r>
-            <a:r>
-              <a:rPr lang="en-US" sz="1600" dirty="0"/>
-              <a:t>similar articles to readers, </a:t>
-            </a:r>
-            <a:r>
-              <a:rPr lang="en-US" sz="1600" dirty="0" smtClean="0"/>
-              <a:t>spam </a:t>
-            </a:r>
-            <a:r>
-              <a:rPr lang="en-US" sz="1600" dirty="0"/>
-              <a:t>email </a:t>
-            </a:r>
-            <a:r>
-              <a:rPr lang="en-US" sz="1600" dirty="0" smtClean="0"/>
-              <a:t>filtering</a:t>
-            </a:r>
-            <a:endParaRPr lang="en-US" sz="1600" dirty="0" smtClean="0"/>
-          </a:p>
-        </p:txBody>
-      </p:sp>
-      <p:sp>
-        <p:nvSpPr>
-          <p:cNvPr id="4" name="Slide Number Placeholder 3"/>
-          <p:cNvSpPr>
-            <a:spLocks noGrp="1"/>
-          </p:cNvSpPr>
-          <p:nvPr>
-            <p:ph type="sldNum" idx="12"/>
-          </p:nvPr>
-        </p:nvSpPr>
-        <p:spPr/>
-        <p:txBody>
-          <a:bodyPr/>
-          <a:lstStyle/>
-          <a:p>
-            <a:pPr marL="0" lvl="0" indent="0" algn="r" rtl="0">
-              <a:spcBef>
-                <a:spcPts val="0"/>
-              </a:spcBef>
-              <a:spcAft>
-                <a:spcPts val="0"/>
-              </a:spcAft>
-              <a:buNone/>
-            </a:pPr>
-            <a:fld id="{00000000-1234-1234-1234-123412341234}" type="slidenum">
-              <a:rPr lang="en-GB" smtClean="0"/>
-              <a:t>12</a:t>
-            </a:fld>
-            <a:endParaRPr lang="en-GB"/>
-          </a:p>
-        </p:txBody>
-      </p:sp>
-    </p:spTree>
-    <p:extLst>
-      <p:ext uri="{BB962C8B-B14F-4D97-AF65-F5344CB8AC3E}">
-        <p14:creationId xmlns:p14="http://schemas.microsoft.com/office/powerpoint/2010/main" val="1563812771"/>
-      </p:ext>
-    </p:extLst>
-  </p:cSld>
-  <p:clrMapOvr>
-    <a:masterClrMapping/>
-  </p:clrMapOvr>
-  <p:timing>
-    <p:tnLst>
-      <p:par>
-        <p:cTn id="1" dur="indefinite" restart="never" nodeType="tmRoot"/>
-      </p:par>
-    </p:tnLst>
-  </p:timing>
-</p:sld>
-</file>
-
-<file path=ppt/slides/slide13.xml><?xml version="1.0" encoding="utf-8"?>
-<p:sld xmlns:a="http://schemas.openxmlformats.org/drawingml/2006/main" xmlns:r="http://schemas.openxmlformats.org/officeDocument/2006/relationships" xmlns:p="http://schemas.openxmlformats.org/presentationml/2006/main">
-  <p:cSld>
-    <p:spTree>
-      <p:nvGrpSpPr>
-        <p:cNvPr id="1" name=""/>
-        <p:cNvGrpSpPr/>
-        <p:nvPr/>
-      </p:nvGrpSpPr>
-      <p:grpSpPr>
-        <a:xfrm>
-          <a:off x="0" y="0"/>
-          <a:ext cx="0" cy="0"/>
-          <a:chOff x="0" y="0"/>
-          <a:chExt cx="0" cy="0"/>
-        </a:xfrm>
-      </p:grpSpPr>
-      <p:sp>
-        <p:nvSpPr>
-          <p:cNvPr id="2" name="Text Placeholder 1"/>
-          <p:cNvSpPr>
-            <a:spLocks noGrp="1"/>
-          </p:cNvSpPr>
-          <p:nvPr>
-            <p:ph type="body" idx="1"/>
-          </p:nvPr>
-        </p:nvSpPr>
-        <p:spPr/>
-        <p:txBody>
-          <a:bodyPr/>
-          <a:lstStyle/>
-          <a:p>
-            <a:r>
-              <a:rPr lang="en-US" dirty="0" smtClean="0"/>
-              <a:t>Extra slides</a:t>
-            </a:r>
-            <a:endParaRPr lang="en-US" dirty="0"/>
-          </a:p>
-        </p:txBody>
-      </p:sp>
-      <p:sp>
-        <p:nvSpPr>
-          <p:cNvPr id="3" name="Slide Number Placeholder 2"/>
-          <p:cNvSpPr>
-            <a:spLocks noGrp="1"/>
-          </p:cNvSpPr>
-          <p:nvPr>
-            <p:ph type="sldNum" idx="12"/>
-          </p:nvPr>
-        </p:nvSpPr>
-        <p:spPr/>
-        <p:txBody>
-          <a:bodyPr/>
-          <a:lstStyle/>
-          <a:p>
-            <a:pPr marL="0" lvl="0" indent="0" algn="r" rtl="0">
-              <a:spcBef>
-                <a:spcPts val="0"/>
-              </a:spcBef>
-              <a:spcAft>
-                <a:spcPts val="0"/>
-              </a:spcAft>
-              <a:buNone/>
-            </a:pPr>
-            <a:fld id="{00000000-1234-1234-1234-123412341234}" type="slidenum">
-              <a:rPr lang="en-GB" smtClean="0"/>
-              <a:t>13</a:t>
-            </a:fld>
-            <a:endParaRPr lang="en-GB"/>
-          </a:p>
-        </p:txBody>
-      </p:sp>
-    </p:spTree>
-    <p:extLst>
-      <p:ext uri="{BB962C8B-B14F-4D97-AF65-F5344CB8AC3E}">
-        <p14:creationId xmlns:p14="http://schemas.microsoft.com/office/powerpoint/2010/main" val="398501268"/>
-      </p:ext>
-    </p:extLst>
-  </p:cSld>
-  <p:clrMapOvr>
-    <a:masterClrMapping/>
-  </p:clrMapOvr>
-  <p:timing>
-    <p:tnLst>
-      <p:par>
-        <p:cTn id="1" dur="indefinite" restart="never" nodeType="tmRoot"/>
-      </p:par>
-    </p:tnLst>
-  </p:timing>
-</p:sld>
-</file>
-
-<file path=ppt/slides/slide14.xml><?xml version="1.0" encoding="utf-8"?>
-<p:sld xmlns:a="http://schemas.openxmlformats.org/drawingml/2006/main" xmlns:r="http://schemas.openxmlformats.org/officeDocument/2006/relationships" xmlns:p="http://schemas.openxmlformats.org/presentationml/2006/main">
-  <p:cSld>
-    <p:spTree>
-      <p:nvGrpSpPr>
-        <p:cNvPr id="1" name=""/>
-        <p:cNvGrpSpPr/>
-        <p:nvPr/>
-      </p:nvGrpSpPr>
-      <p:grpSpPr>
-        <a:xfrm>
-          <a:off x="0" y="0"/>
-          <a:ext cx="0" cy="0"/>
-          <a:chOff x="0" y="0"/>
-          <a:chExt cx="0" cy="0"/>
-        </a:xfrm>
-      </p:grpSpPr>
-      <p:sp>
-        <p:nvSpPr>
-          <p:cNvPr id="3" name="Slide Number Placeholder 2"/>
-          <p:cNvSpPr>
-            <a:spLocks noGrp="1"/>
-          </p:cNvSpPr>
-          <p:nvPr>
-            <p:ph type="sldNum" idx="12"/>
-          </p:nvPr>
-        </p:nvSpPr>
-        <p:spPr/>
-        <p:txBody>
-          <a:bodyPr/>
-          <a:lstStyle/>
-          <a:p>
-            <a:pPr marL="0" lvl="0" indent="0" algn="r" rtl="0">
-              <a:spcBef>
-                <a:spcPts val="0"/>
-              </a:spcBef>
-              <a:spcAft>
-                <a:spcPts val="0"/>
-              </a:spcAft>
-              <a:buNone/>
-            </a:pPr>
-            <a:fld id="{00000000-1234-1234-1234-123412341234}" type="slidenum">
-              <a:rPr lang="en-GB" smtClean="0"/>
-              <a:t>14</a:t>
-            </a:fld>
-            <a:endParaRPr lang="en-GB"/>
-          </a:p>
-        </p:txBody>
-      </p:sp>
-      <p:pic>
-        <p:nvPicPr>
-          <p:cNvPr id="5" name="Picture 4"/>
-          <p:cNvPicPr>
-            <a:picLocks noChangeAspect="1"/>
-          </p:cNvPicPr>
-          <p:nvPr/>
-        </p:nvPicPr>
-        <p:blipFill>
-          <a:blip r:embed="rId2">
-            <a:extLst>
-              <a:ext uri="{28A0092B-C50C-407E-A947-70E740481C1C}">
-                <a14:useLocalDpi xmlns:a14="http://schemas.microsoft.com/office/drawing/2010/main" val="0"/>
-              </a:ext>
-            </a:extLst>
-          </a:blip>
-          <a:stretch>
-            <a:fillRect/>
-          </a:stretch>
-        </p:blipFill>
-        <p:spPr>
-          <a:xfrm>
-            <a:off x="338323" y="710234"/>
-            <a:ext cx="8408485" cy="3676569"/>
-          </a:xfrm>
-          <a:prstGeom prst="rect">
-            <a:avLst/>
-          </a:prstGeom>
-        </p:spPr>
-      </p:pic>
-    </p:spTree>
-    <p:extLst>
-      <p:ext uri="{BB962C8B-B14F-4D97-AF65-F5344CB8AC3E}">
-        <p14:creationId xmlns:p14="http://schemas.microsoft.com/office/powerpoint/2010/main" val="2129404439"/>
       </p:ext>
     </p:extLst>
   </p:cSld>
@@ -10472,7 +11781,7 @@
             </a:pPr>
             <a:r>
               <a:rPr lang="en-US" dirty="0" smtClean="0"/>
-              <a:t>Content lengths</a:t>
+              <a:t>Lack of post content</a:t>
             </a:r>
           </a:p>
           <a:p>
@@ -10486,9 +11795,22 @@
             </a:pPr>
             <a:r>
               <a:rPr lang="en-US" dirty="0" smtClean="0"/>
+              <a:t>Content lengths</a:t>
+            </a:r>
+          </a:p>
+          <a:p>
+            <a:pPr>
+              <a:lnSpc>
+                <a:spcPct val="100000"/>
+              </a:lnSpc>
+              <a:spcAft>
+                <a:spcPts val="600"/>
+              </a:spcAft>
+            </a:pPr>
+            <a:r>
+              <a:rPr lang="en-US" dirty="0" smtClean="0"/>
               <a:t>Noise in the corpus</a:t>
             </a:r>
-            <a:endParaRPr lang="en-US" dirty="0" smtClean="0"/>
           </a:p>
           <a:p>
             <a:pPr>
@@ -10567,6 +11889,153 @@
 </file>
 
 <file path=ppt/slides/slide6.xml><?xml version="1.0" encoding="utf-8"?>
+<p:sld xmlns:a="http://schemas.openxmlformats.org/drawingml/2006/main" xmlns:r="http://schemas.openxmlformats.org/officeDocument/2006/relationships" xmlns:p="http://schemas.openxmlformats.org/presentationml/2006/main">
+  <p:cSld>
+    <p:spTree>
+      <p:nvGrpSpPr>
+        <p:cNvPr id="1" name="Shape 65"/>
+        <p:cNvGrpSpPr/>
+        <p:nvPr/>
+      </p:nvGrpSpPr>
+      <p:grpSpPr>
+        <a:xfrm>
+          <a:off x="0" y="0"/>
+          <a:ext cx="0" cy="0"/>
+          <a:chOff x="0" y="0"/>
+          <a:chExt cx="0" cy="0"/>
+        </a:xfrm>
+      </p:grpSpPr>
+      <p:sp>
+        <p:nvSpPr>
+          <p:cNvPr id="4" name="Slide Number Placeholder 3"/>
+          <p:cNvSpPr>
+            <a:spLocks noGrp="1"/>
+          </p:cNvSpPr>
+          <p:nvPr>
+            <p:ph type="sldNum" idx="12"/>
+          </p:nvPr>
+        </p:nvSpPr>
+        <p:spPr/>
+        <p:txBody>
+          <a:bodyPr/>
+          <a:lstStyle/>
+          <a:p>
+            <a:pPr marL="0" lvl="0" indent="0" algn="r" rtl="0">
+              <a:spcBef>
+                <a:spcPts val="0"/>
+              </a:spcBef>
+              <a:spcAft>
+                <a:spcPts val="0"/>
+              </a:spcAft>
+              <a:buNone/>
+            </a:pPr>
+            <a:fld id="{00000000-1234-1234-1234-123412341234}" type="slidenum">
+              <a:rPr lang="en-GB" smtClean="0"/>
+              <a:t>6</a:t>
+            </a:fld>
+            <a:endParaRPr lang="en-GB"/>
+          </a:p>
+        </p:txBody>
+      </p:sp>
+      <p:sp>
+        <p:nvSpPr>
+          <p:cNvPr id="13" name="Google Shape;66;p15"/>
+          <p:cNvSpPr txBox="1">
+            <a:spLocks noGrp="1"/>
+          </p:cNvSpPr>
+          <p:nvPr>
+            <p:ph type="title"/>
+          </p:nvPr>
+        </p:nvSpPr>
+        <p:spPr>
+          <a:xfrm>
+            <a:off x="181742" y="193049"/>
+            <a:ext cx="4980603" cy="498626"/>
+          </a:xfrm>
+          <a:prstGeom prst="rect">
+            <a:avLst/>
+          </a:prstGeom>
+        </p:spPr>
+        <p:txBody>
+          <a:bodyPr spcFirstLastPara="1" wrap="square" lIns="91425" tIns="91425" rIns="91425" bIns="91425" anchor="t" anchorCtr="0">
+            <a:noAutofit/>
+          </a:bodyPr>
+          <a:lstStyle/>
+          <a:p>
+            <a:pPr lvl="0"/>
+            <a:r>
+              <a:rPr lang="en-GB" sz="1600" b="1" dirty="0" smtClean="0">
+                <a:solidFill>
+                  <a:schemeClr val="tx1">
+                    <a:lumMod val="75000"/>
+                    <a:lumOff val="25000"/>
+                  </a:schemeClr>
+                </a:solidFill>
+              </a:rPr>
+              <a:t>Lack of posts containing text</a:t>
+            </a:r>
+            <a:endParaRPr lang="en-GB" sz="1600" b="1" dirty="0">
+              <a:solidFill>
+                <a:schemeClr val="tx1">
+                  <a:lumMod val="75000"/>
+                  <a:lumOff val="25000"/>
+                </a:schemeClr>
+              </a:solidFill>
+            </a:endParaRPr>
+          </a:p>
+        </p:txBody>
+      </p:sp>
+      <p:pic>
+        <p:nvPicPr>
+          <p:cNvPr id="2" name="Picture 1"/>
+          <p:cNvPicPr>
+            <a:picLocks noChangeAspect="1"/>
+          </p:cNvPicPr>
+          <p:nvPr/>
+        </p:nvPicPr>
+        <p:blipFill>
+          <a:blip r:embed="rId3">
+            <a:extLst>
+              <a:ext uri="{28A0092B-C50C-407E-A947-70E740481C1C}">
+                <a14:useLocalDpi xmlns:a14="http://schemas.microsoft.com/office/drawing/2010/main" val="0"/>
+              </a:ext>
+            </a:extLst>
+          </a:blip>
+          <a:stretch>
+            <a:fillRect/>
+          </a:stretch>
+        </p:blipFill>
+        <p:spPr>
+          <a:xfrm>
+            <a:off x="2336800" y="787400"/>
+            <a:ext cx="4470400" cy="3556000"/>
+          </a:xfrm>
+          <a:prstGeom prst="rect">
+            <a:avLst/>
+          </a:prstGeom>
+        </p:spPr>
+      </p:pic>
+    </p:spTree>
+    <p:extLst>
+      <p:ext uri="{BB962C8B-B14F-4D97-AF65-F5344CB8AC3E}">
+        <p14:creationId xmlns:p14="http://schemas.microsoft.com/office/powerpoint/2010/main" val="1735810449"/>
+      </p:ext>
+    </p:extLst>
+  </p:cSld>
+  <p:clrMapOvr>
+    <a:masterClrMapping/>
+  </p:clrMapOvr>
+  <p:timing>
+    <p:tnLst>
+      <p:par>
+        <p:cTn id="1" dur="indefinite" restart="never" nodeType="tmRoot"/>
+      </p:par>
+    </p:tnLst>
+  </p:timing>
+</p:sld>
+</file>
+
+<file path=ppt/slides/slide7.xml><?xml version="1.0" encoding="utf-8"?>
 <p:sld xmlns:a="http://schemas.openxmlformats.org/drawingml/2006/main" xmlns:r="http://schemas.openxmlformats.org/officeDocument/2006/relationships" xmlns:p="http://schemas.openxmlformats.org/presentationml/2006/main">
   <p:cSld>
     <p:bg>
@@ -10617,7 +12086,7 @@
             </a:pPr>
             <a:fld id="{00000000-1234-1234-1234-123412341234}" type="slidenum">
               <a:rPr lang="en-GB" smtClean="0"/>
-              <a:t>6</a:t>
+              <a:t>7</a:t>
             </a:fld>
             <a:endParaRPr lang="en-GB"/>
           </a:p>
@@ -10824,7 +12293,7 @@
 </p:sld>
 </file>
 
-<file path=ppt/slides/slide7.xml><?xml version="1.0" encoding="utf-8"?>
+<file path=ppt/slides/slide8.xml><?xml version="1.0" encoding="utf-8"?>
 <p:sld xmlns:a="http://schemas.openxmlformats.org/drawingml/2006/main" xmlns:r="http://schemas.openxmlformats.org/officeDocument/2006/relationships" xmlns:p="http://schemas.openxmlformats.org/presentationml/2006/main">
   <p:cSld>
     <p:spTree>
@@ -10867,7 +12336,7 @@
             </a:pPr>
             <a:fld id="{00000000-1234-1234-1234-123412341234}" type="slidenum">
               <a:rPr lang="en-GB" smtClean="0"/>
-              <a:t>7</a:t>
+              <a:t>8</a:t>
             </a:fld>
             <a:endParaRPr lang="en-GB"/>
           </a:p>
@@ -10971,7 +12440,7 @@
 </p:sld>
 </file>
 
-<file path=ppt/slides/slide8.xml><?xml version="1.0" encoding="utf-8"?>
+<file path=ppt/slides/slide9.xml><?xml version="1.0" encoding="utf-8"?>
 <p:sld xmlns:a="http://schemas.openxmlformats.org/drawingml/2006/main" xmlns:r="http://schemas.openxmlformats.org/officeDocument/2006/relationships" xmlns:p="http://schemas.openxmlformats.org/presentationml/2006/main">
   <p:cSld>
     <p:spTree>
@@ -12330,7 +13799,7 @@
             </a:pPr>
             <a:fld id="{00000000-1234-1234-1234-123412341234}" type="slidenum">
               <a:rPr lang="en-GB" smtClean="0"/>
-              <a:t>8</a:t>
+              <a:t>9</a:t>
             </a:fld>
             <a:endParaRPr lang="en-GB"/>
           </a:p>
@@ -12572,175 +14041,6 @@
     <p:extLst>
       <p:ext uri="{BB962C8B-B14F-4D97-AF65-F5344CB8AC3E}">
         <p14:creationId xmlns:p14="http://schemas.microsoft.com/office/powerpoint/2010/main" val="2079888904"/>
-      </p:ext>
-    </p:extLst>
-  </p:cSld>
-  <p:clrMapOvr>
-    <a:masterClrMapping/>
-  </p:clrMapOvr>
-  <p:timing>
-    <p:tnLst>
-      <p:par>
-        <p:cTn id="1" dur="indefinite" restart="never" nodeType="tmRoot"/>
-      </p:par>
-    </p:tnLst>
-  </p:timing>
-</p:sld>
-</file>
-
-<file path=ppt/slides/slide9.xml><?xml version="1.0" encoding="utf-8"?>
-<p:sld xmlns:a="http://schemas.openxmlformats.org/drawingml/2006/main" xmlns:r="http://schemas.openxmlformats.org/officeDocument/2006/relationships" xmlns:p="http://schemas.openxmlformats.org/presentationml/2006/main">
-  <p:cSld>
-    <p:spTree>
-      <p:nvGrpSpPr>
-        <p:cNvPr id="1" name="Shape 65"/>
-        <p:cNvGrpSpPr/>
-        <p:nvPr/>
-      </p:nvGrpSpPr>
-      <p:grpSpPr>
-        <a:xfrm>
-          <a:off x="0" y="0"/>
-          <a:ext cx="0" cy="0"/>
-          <a:chOff x="0" y="0"/>
-          <a:chExt cx="0" cy="0"/>
-        </a:xfrm>
-      </p:grpSpPr>
-      <p:pic>
-        <p:nvPicPr>
-          <p:cNvPr id="2" name="Picture 1"/>
-          <p:cNvPicPr>
-            <a:picLocks noChangeAspect="1"/>
-          </p:cNvPicPr>
-          <p:nvPr/>
-        </p:nvPicPr>
-        <p:blipFill>
-          <a:blip r:embed="rId3">
-            <a:extLst>
-              <a:ext uri="{28A0092B-C50C-407E-A947-70E740481C1C}">
-                <a14:useLocalDpi xmlns:a14="http://schemas.microsoft.com/office/drawing/2010/main" val="0"/>
-              </a:ext>
-            </a:extLst>
-          </a:blip>
-          <a:stretch>
-            <a:fillRect/>
-          </a:stretch>
-        </p:blipFill>
-        <p:spPr>
-          <a:xfrm>
-            <a:off x="114395" y="0"/>
-            <a:ext cx="8822470" cy="5143500"/>
-          </a:xfrm>
-          <a:prstGeom prst="rect">
-            <a:avLst/>
-          </a:prstGeom>
-        </p:spPr>
-      </p:pic>
-      <p:sp>
-        <p:nvSpPr>
-          <p:cNvPr id="4" name="Slide Number Placeholder 3"/>
-          <p:cNvSpPr>
-            <a:spLocks noGrp="1"/>
-          </p:cNvSpPr>
-          <p:nvPr>
-            <p:ph type="sldNum" idx="12"/>
-          </p:nvPr>
-        </p:nvSpPr>
-        <p:spPr/>
-        <p:txBody>
-          <a:bodyPr/>
-          <a:lstStyle/>
-          <a:p>
-            <a:pPr marL="0" lvl="0" indent="0" algn="r" rtl="0">
-              <a:spcBef>
-                <a:spcPts val="0"/>
-              </a:spcBef>
-              <a:spcAft>
-                <a:spcPts val="0"/>
-              </a:spcAft>
-              <a:buNone/>
-            </a:pPr>
-            <a:fld id="{00000000-1234-1234-1234-123412341234}" type="slidenum">
-              <a:rPr lang="en-GB" smtClean="0"/>
-              <a:t>9</a:t>
-            </a:fld>
-            <a:endParaRPr lang="en-GB"/>
-          </a:p>
-        </p:txBody>
-      </p:sp>
-      <p:sp>
-        <p:nvSpPr>
-          <p:cNvPr id="13" name="Google Shape;66;p15"/>
-          <p:cNvSpPr txBox="1">
-            <a:spLocks noGrp="1"/>
-          </p:cNvSpPr>
-          <p:nvPr>
-            <p:ph type="title"/>
-          </p:nvPr>
-        </p:nvSpPr>
-        <p:spPr>
-          <a:xfrm>
-            <a:off x="114395" y="197577"/>
-            <a:ext cx="5407324" cy="498626"/>
-          </a:xfrm>
-          <a:prstGeom prst="rect">
-            <a:avLst/>
-          </a:prstGeom>
-        </p:spPr>
-        <p:txBody>
-          <a:bodyPr spcFirstLastPara="1" wrap="square" lIns="91425" tIns="91425" rIns="91425" bIns="91425" anchor="t" anchorCtr="0">
-            <a:noAutofit/>
-          </a:bodyPr>
-          <a:lstStyle/>
-          <a:p>
-            <a:pPr lvl="0"/>
-            <a:r>
-              <a:rPr lang="en-GB" sz="1600" b="1" smtClean="0">
-                <a:solidFill>
-                  <a:schemeClr val="tx1">
-                    <a:lumMod val="75000"/>
-                    <a:lumOff val="25000"/>
-                  </a:schemeClr>
-                </a:solidFill>
-              </a:rPr>
-              <a:t>Most common words a</a:t>
-            </a:r>
-            <a:r>
-              <a:rPr lang="en-GB" sz="1600" b="1" smtClean="0">
-                <a:solidFill>
-                  <a:schemeClr val="tx1">
-                    <a:lumMod val="75000"/>
-                    <a:lumOff val="25000"/>
-                  </a:schemeClr>
-                </a:solidFill>
-              </a:rPr>
-              <a:t>fter </a:t>
-            </a:r>
-            <a:r>
-              <a:rPr lang="en-GB" sz="1600" b="1" dirty="0" err="1" smtClean="0">
-                <a:solidFill>
-                  <a:schemeClr val="tx1">
-                    <a:lumMod val="75000"/>
-                    <a:lumOff val="25000"/>
-                  </a:schemeClr>
-                </a:solidFill>
-              </a:rPr>
-              <a:t>preprocessing</a:t>
-            </a:r>
-            <a:endParaRPr lang="en-GB" sz="1600" b="1" dirty="0">
-              <a:solidFill>
-                <a:schemeClr val="tx1">
-                  <a:lumMod val="75000"/>
-                  <a:lumOff val="25000"/>
-                </a:schemeClr>
-              </a:solidFill>
-            </a:endParaRPr>
-          </a:p>
-        </p:txBody>
-      </p:sp>
-    </p:spTree>
-    <p:extLst>
-      <p:ext uri="{BB962C8B-B14F-4D97-AF65-F5344CB8AC3E}">
-        <p14:creationId xmlns:p14="http://schemas.microsoft.com/office/powerpoint/2010/main" val="635098636"/>
       </p:ext>
     </p:extLst>
   </p:cSld>

--- a/presentation/project3_presentation_individual.pptx
+++ b/presentation/project3_presentation_individual.pptx
@@ -1286,7 +1286,7 @@
               <a:t>This shows that there are some similarities in what people discuss in both </a:t>
             </a:r>
             <a:r>
-              <a:rPr lang="en-US" baseline="0" smtClean="0"/>
+              <a:rPr lang="en-US" baseline="0" dirty="0" err="1" smtClean="0"/>
               <a:t>subreddits</a:t>
             </a:r>
             <a:endParaRPr lang="en-US" dirty="0"/>
